--- a/apresentação_fase_1.pptx
+++ b/apresentação_fase_1.pptx
@@ -5,16 +5,37 @@
     <p:sldMasterId id="2147483648" r:id="rId1"/>
   </p:sldMasterIdLst>
   <p:notesMasterIdLst>
-    <p:notesMasterId r:id="rId6"/>
+    <p:notesMasterId r:id="rId27"/>
   </p:notesMasterIdLst>
   <p:handoutMasterIdLst>
-    <p:handoutMasterId r:id="rId7"/>
+    <p:handoutMasterId r:id="rId28"/>
   </p:handoutMasterIdLst>
   <p:sldIdLst>
     <p:sldId id="610" r:id="rId2"/>
     <p:sldId id="611" r:id="rId3"/>
     <p:sldId id="612" r:id="rId4"/>
     <p:sldId id="613" r:id="rId5"/>
+    <p:sldId id="614" r:id="rId6"/>
+    <p:sldId id="615" r:id="rId7"/>
+    <p:sldId id="616" r:id="rId8"/>
+    <p:sldId id="617" r:id="rId9"/>
+    <p:sldId id="618" r:id="rId10"/>
+    <p:sldId id="619" r:id="rId11"/>
+    <p:sldId id="620" r:id="rId12"/>
+    <p:sldId id="621" r:id="rId13"/>
+    <p:sldId id="622" r:id="rId14"/>
+    <p:sldId id="623" r:id="rId15"/>
+    <p:sldId id="624" r:id="rId16"/>
+    <p:sldId id="626" r:id="rId17"/>
+    <p:sldId id="625" r:id="rId18"/>
+    <p:sldId id="628" r:id="rId19"/>
+    <p:sldId id="630" r:id="rId20"/>
+    <p:sldId id="631" r:id="rId21"/>
+    <p:sldId id="632" r:id="rId22"/>
+    <p:sldId id="633" r:id="rId23"/>
+    <p:sldId id="635" r:id="rId24"/>
+    <p:sldId id="634" r:id="rId25"/>
+    <p:sldId id="629" r:id="rId26"/>
   </p:sldIdLst>
   <p:sldSz cx="9144000" cy="6858000" type="screen4x3"/>
   <p:notesSz cx="6761163" cy="9942513"/>
@@ -145,7 +166,7 @@
   </p:defaultTextStyle>
   <p:extLst>
     <p:ext uri="{EFAFB233-063F-42B5-8137-9DF3F51BA10A}">
-      <p15:sldGuideLst xmlns:p15="http://schemas.microsoft.com/office/powerpoint/2012/main">
+      <p15:sldGuideLst xmlns:p15="http://schemas.microsoft.com/office/powerpoint/2012/main" xmlns="">
         <p15:guide id="1" orient="horz" pos="2160">
           <p15:clr>
             <a:srgbClr val="A4A3A4"/>
@@ -159,7 +180,7 @@
       </p15:sldGuideLst>
     </p:ext>
     <p:ext uri="{2D200454-40CA-4A62-9FC3-DE9A4176ACB9}">
-      <p15:notesGuideLst xmlns:p15="http://schemas.microsoft.com/office/powerpoint/2012/main">
+      <p15:notesGuideLst xmlns:p15="http://schemas.microsoft.com/office/powerpoint/2012/main" xmlns="">
         <p15:guide id="1" orient="horz" pos="3131" userDrawn="1">
           <p15:clr>
             <a:srgbClr val="A4A3A4"/>
@@ -290,7 +311,7 @@
             <a:fld id="{096C2CA3-7C2D-4698-94F8-0B2917DC6BCB}" type="slidenum">
               <a:rPr lang="pt-BR" smtClean="0"/>
               <a:pPr/>
-              <a:t>‹nº›</a:t>
+              <a:t>‹#›</a:t>
             </a:fld>
             <a:endParaRPr lang="pt-BR"/>
           </a:p>
@@ -390,7 +411,7 @@
             <a:fld id="{0EFC7CD4-25E2-466E-9F6D-27AE543ABBEB}" type="datetimeFigureOut">
               <a:rPr lang="en-US" smtClean="0"/>
               <a:pPr/>
-              <a:t>4/14/2015</a:t>
+              <a:t>12/05/15</a:t>
             </a:fld>
             <a:endParaRPr lang="en-US"/>
           </a:p>
@@ -552,7 +573,7 @@
             <a:fld id="{F0AC0810-AC97-4787-BBF0-5CAC3C21FD3A}" type="slidenum">
               <a:rPr lang="en-US" smtClean="0"/>
               <a:pPr/>
-              <a:t>‹nº›</a:t>
+              <a:t>‹#›</a:t>
             </a:fld>
             <a:endParaRPr lang="en-US"/>
           </a:p>
@@ -712,14 +733,14 @@
             <a:noFill/>
           </a:ln>
           <a:extLst>
-            <a:ext uri="{909E8E84-426E-40DD-AFC4-6F175D3DCCD1}">
+            <a:ext uri="{909E8E84-426E-40dd-AFC4-6F175D3DCCD1}">
               <a14:hiddenFill xmlns:a14="http://schemas.microsoft.com/office/drawing/2010/main">
                 <a:solidFill>
                   <a:srgbClr val="FFFFFF"/>
                 </a:solidFill>
               </a14:hiddenFill>
             </a:ext>
-            <a:ext uri="{91240B29-F687-4F45-9708-019B960494DF}">
+            <a:ext uri="{91240B29-F687-4f45-9708-019B960494DF}">
               <a14:hiddenLine xmlns:a14="http://schemas.microsoft.com/office/drawing/2010/main" w="9525">
                 <a:solidFill>
                   <a:srgbClr val="000000"/>
@@ -1050,7 +1071,7 @@
               <a:pPr>
                 <a:defRPr/>
               </a:pPr>
-              <a:t>‹nº›</a:t>
+              <a:t>‹#›</a:t>
             </a:fld>
             <a:endParaRPr lang="pt-BR"/>
           </a:p>
@@ -1281,7 +1302,7 @@
               <a:pPr>
                 <a:defRPr/>
               </a:pPr>
-              <a:t>‹nº›</a:t>
+              <a:t>‹#›</a:t>
             </a:fld>
             <a:endParaRPr lang="pt-BR"/>
           </a:p>
@@ -1351,14 +1372,14 @@
             <a:noFill/>
           </a:ln>
           <a:extLst>
-            <a:ext uri="{909E8E84-426E-40DD-AFC4-6F175D3DCCD1}">
+            <a:ext uri="{909E8E84-426E-40dd-AFC4-6F175D3DCCD1}">
               <a14:hiddenFill xmlns:a14="http://schemas.microsoft.com/office/drawing/2010/main">
                 <a:solidFill>
                   <a:srgbClr val="FFFFFF"/>
                 </a:solidFill>
               </a14:hiddenFill>
             </a:ext>
-            <a:ext uri="{91240B29-F687-4F45-9708-019B960494DF}">
+            <a:ext uri="{91240B29-F687-4f45-9708-019B960494DF}">
               <a14:hiddenLine xmlns:a14="http://schemas.microsoft.com/office/drawing/2010/main" w="9525">
                 <a:solidFill>
                   <a:srgbClr val="000000"/>
@@ -1394,14 +1415,14 @@
             <a:noFill/>
           </a:ln>
           <a:extLst>
-            <a:ext uri="{909E8E84-426E-40DD-AFC4-6F175D3DCCD1}">
+            <a:ext uri="{909E8E84-426E-40dd-AFC4-6F175D3DCCD1}">
               <a14:hiddenFill xmlns:a14="http://schemas.microsoft.com/office/drawing/2010/main">
                 <a:solidFill>
                   <a:srgbClr val="FFFFFF"/>
                 </a:solidFill>
               </a14:hiddenFill>
             </a:ext>
-            <a:ext uri="{91240B29-F687-4F45-9708-019B960494DF}">
+            <a:ext uri="{91240B29-F687-4f45-9708-019B960494DF}">
               <a14:hiddenLine xmlns:a14="http://schemas.microsoft.com/office/drawing/2010/main" w="9525">
                 <a:solidFill>
                   <a:srgbClr val="000000"/>
@@ -1452,14 +1473,14 @@
             <a:noFill/>
           </a:ln>
           <a:extLst>
-            <a:ext uri="{909E8E84-426E-40DD-AFC4-6F175D3DCCD1}">
+            <a:ext uri="{909E8E84-426E-40dd-AFC4-6F175D3DCCD1}">
               <a14:hiddenFill xmlns:a14="http://schemas.microsoft.com/office/drawing/2010/main">
                 <a:solidFill>
                   <a:srgbClr val="FFFFFF"/>
                 </a:solidFill>
               </a14:hiddenFill>
             </a:ext>
-            <a:ext uri="{91240B29-F687-4F45-9708-019B960494DF}">
+            <a:ext uri="{91240B29-F687-4f45-9708-019B960494DF}">
               <a14:hiddenLine xmlns:a14="http://schemas.microsoft.com/office/drawing/2010/main" w="9525">
                 <a:solidFill>
                   <a:srgbClr val="000000"/>
@@ -1579,14 +1600,14 @@
             <a:noFill/>
           </a:ln>
           <a:extLst>
-            <a:ext uri="{909E8E84-426E-40DD-AFC4-6F175D3DCCD1}">
+            <a:ext uri="{909E8E84-426E-40dd-AFC4-6F175D3DCCD1}">
               <a14:hiddenFill xmlns:a14="http://schemas.microsoft.com/office/drawing/2010/main">
                 <a:solidFill>
                   <a:srgbClr val="FFFFFF"/>
                 </a:solidFill>
               </a14:hiddenFill>
             </a:ext>
-            <a:ext uri="{91240B29-F687-4F45-9708-019B960494DF}">
+            <a:ext uri="{91240B29-F687-4f45-9708-019B960494DF}">
               <a14:hiddenLine xmlns:a14="http://schemas.microsoft.com/office/drawing/2010/main" w="9525">
                 <a:solidFill>
                   <a:srgbClr val="000000"/>
@@ -1762,14 +1783,14 @@
             <a:noFill/>
           </a:ln>
           <a:extLst>
-            <a:ext uri="{909E8E84-426E-40DD-AFC4-6F175D3DCCD1}">
+            <a:ext uri="{909E8E84-426E-40dd-AFC4-6F175D3DCCD1}">
               <a14:hiddenFill xmlns:a14="http://schemas.microsoft.com/office/drawing/2010/main">
                 <a:solidFill>
                   <a:srgbClr val="FFFFFF"/>
                 </a:solidFill>
               </a14:hiddenFill>
             </a:ext>
-            <a:ext uri="{91240B29-F687-4F45-9708-019B960494DF}">
+            <a:ext uri="{91240B29-F687-4f45-9708-019B960494DF}">
               <a14:hiddenLine xmlns:a14="http://schemas.microsoft.com/office/drawing/2010/main" w="9525">
                 <a:solidFill>
                   <a:srgbClr val="000000"/>
@@ -1975,14 +1996,14 @@
             <a:noFill/>
           </a:ln>
           <a:extLst>
-            <a:ext uri="{909E8E84-426E-40DD-AFC4-6F175D3DCCD1}">
+            <a:ext uri="{909E8E84-426E-40dd-AFC4-6F175D3DCCD1}">
               <a14:hiddenFill xmlns:a14="http://schemas.microsoft.com/office/drawing/2010/main">
                 <a:solidFill>
                   <a:srgbClr val="FFFFFF"/>
                 </a:solidFill>
               </a14:hiddenFill>
             </a:ext>
-            <a:ext uri="{91240B29-F687-4F45-9708-019B960494DF}">
+            <a:ext uri="{91240B29-F687-4f45-9708-019B960494DF}">
               <a14:hiddenLine xmlns:a14="http://schemas.microsoft.com/office/drawing/2010/main" w="9525">
                 <a:solidFill>
                   <a:srgbClr val="000000"/>
@@ -2074,14 +2095,14 @@
             <a:noFill/>
           </a:ln>
           <a:extLst>
-            <a:ext uri="{909E8E84-426E-40DD-AFC4-6F175D3DCCD1}">
+            <a:ext uri="{909E8E84-426E-40dd-AFC4-6F175D3DCCD1}">
               <a14:hiddenFill xmlns:a14="http://schemas.microsoft.com/office/drawing/2010/main">
                 <a:solidFill>
                   <a:srgbClr val="FFFFFF"/>
                 </a:solidFill>
               </a14:hiddenFill>
             </a:ext>
-            <a:ext uri="{91240B29-F687-4F45-9708-019B960494DF}">
+            <a:ext uri="{91240B29-F687-4f45-9708-019B960494DF}">
               <a14:hiddenLine xmlns:a14="http://schemas.microsoft.com/office/drawing/2010/main" w="9525">
                 <a:solidFill>
                   <a:srgbClr val="000000"/>
@@ -2528,7 +2549,7 @@
               <a:pPr>
                 <a:defRPr/>
               </a:pPr>
-              <a:t>‹nº›</a:t>
+              <a:t>‹#›</a:t>
             </a:fld>
             <a:endParaRPr lang="pt-BR"/>
           </a:p>
@@ -2598,14 +2619,14 @@
             <a:noFill/>
           </a:ln>
           <a:extLst>
-            <a:ext uri="{909E8E84-426E-40DD-AFC4-6F175D3DCCD1}">
+            <a:ext uri="{909E8E84-426E-40dd-AFC4-6F175D3DCCD1}">
               <a14:hiddenFill xmlns:a14="http://schemas.microsoft.com/office/drawing/2010/main">
                 <a:solidFill>
                   <a:srgbClr val="FFFFFF"/>
                 </a:solidFill>
               </a14:hiddenFill>
             </a:ext>
-            <a:ext uri="{91240B29-F687-4F45-9708-019B960494DF}">
+            <a:ext uri="{91240B29-F687-4f45-9708-019B960494DF}">
               <a14:hiddenLine xmlns:a14="http://schemas.microsoft.com/office/drawing/2010/main" w="9525">
                 <a:solidFill>
                   <a:srgbClr val="000000"/>
@@ -2641,14 +2662,14 @@
             <a:noFill/>
           </a:ln>
           <a:extLst>
-            <a:ext uri="{909E8E84-426E-40DD-AFC4-6F175D3DCCD1}">
+            <a:ext uri="{909E8E84-426E-40dd-AFC4-6F175D3DCCD1}">
               <a14:hiddenFill xmlns:a14="http://schemas.microsoft.com/office/drawing/2010/main">
                 <a:solidFill>
                   <a:srgbClr val="FFFFFF"/>
                 </a:solidFill>
               </a14:hiddenFill>
             </a:ext>
-            <a:ext uri="{91240B29-F687-4F45-9708-019B960494DF}">
+            <a:ext uri="{91240B29-F687-4f45-9708-019B960494DF}">
               <a14:hiddenLine xmlns:a14="http://schemas.microsoft.com/office/drawing/2010/main" w="9525">
                 <a:solidFill>
                   <a:srgbClr val="000000"/>
@@ -2740,14 +2761,14 @@
             <a:noFill/>
           </a:ln>
           <a:extLst>
-            <a:ext uri="{909E8E84-426E-40DD-AFC4-6F175D3DCCD1}">
+            <a:ext uri="{909E8E84-426E-40dd-AFC4-6F175D3DCCD1}">
               <a14:hiddenFill xmlns:a14="http://schemas.microsoft.com/office/drawing/2010/main">
                 <a:solidFill>
                   <a:srgbClr val="FFFFFF"/>
                 </a:solidFill>
               </a14:hiddenFill>
             </a:ext>
-            <a:ext uri="{91240B29-F687-4F45-9708-019B960494DF}">
+            <a:ext uri="{91240B29-F687-4f45-9708-019B960494DF}">
               <a14:hiddenLine xmlns:a14="http://schemas.microsoft.com/office/drawing/2010/main" w="9525">
                 <a:solidFill>
                   <a:srgbClr val="000000"/>
@@ -2824,14 +2845,14 @@
             <a:noFill/>
           </a:ln>
           <a:extLst>
-            <a:ext uri="{909E8E84-426E-40DD-AFC4-6F175D3DCCD1}">
+            <a:ext uri="{909E8E84-426E-40dd-AFC4-6F175D3DCCD1}">
               <a14:hiddenFill xmlns:a14="http://schemas.microsoft.com/office/drawing/2010/main">
                 <a:solidFill>
                   <a:srgbClr val="FFFFFF"/>
                 </a:solidFill>
               </a14:hiddenFill>
             </a:ext>
-            <a:ext uri="{91240B29-F687-4F45-9708-019B960494DF}">
+            <a:ext uri="{91240B29-F687-4f45-9708-019B960494DF}">
               <a14:hiddenLine xmlns:a14="http://schemas.microsoft.com/office/drawing/2010/main" w="9525">
                 <a:solidFill>
                   <a:srgbClr val="000000"/>
@@ -3133,7 +3154,7 @@
               <a:pPr>
                 <a:defRPr/>
               </a:pPr>
-              <a:t>‹nº›</a:t>
+              <a:t>‹#›</a:t>
             </a:fld>
             <a:endParaRPr lang="pt-BR"/>
           </a:p>
@@ -3203,14 +3224,14 @@
             <a:noFill/>
           </a:ln>
           <a:extLst>
-            <a:ext uri="{909E8E84-426E-40DD-AFC4-6F175D3DCCD1}">
+            <a:ext uri="{909E8E84-426E-40dd-AFC4-6F175D3DCCD1}">
               <a14:hiddenFill xmlns:a14="http://schemas.microsoft.com/office/drawing/2010/main">
                 <a:solidFill>
                   <a:srgbClr val="FFFFFF"/>
                 </a:solidFill>
               </a14:hiddenFill>
             </a:ext>
-            <a:ext uri="{91240B29-F687-4F45-9708-019B960494DF}">
+            <a:ext uri="{91240B29-F687-4f45-9708-019B960494DF}">
               <a14:hiddenLine xmlns:a14="http://schemas.microsoft.com/office/drawing/2010/main" w="9525">
                 <a:solidFill>
                   <a:srgbClr val="000000"/>
@@ -3489,7 +3510,7 @@
               <a:pPr>
                 <a:defRPr/>
               </a:pPr>
-              <a:t>‹nº›</a:t>
+              <a:t>‹#›</a:t>
             </a:fld>
             <a:endParaRPr lang="pt-BR"/>
           </a:p>
@@ -3560,14 +3581,14 @@
             <a:noFill/>
           </a:ln>
           <a:extLst>
-            <a:ext uri="{909E8E84-426E-40DD-AFC4-6F175D3DCCD1}">
+            <a:ext uri="{909E8E84-426E-40dd-AFC4-6F175D3DCCD1}">
               <a14:hiddenFill xmlns:a14="http://schemas.microsoft.com/office/drawing/2010/main">
                 <a:solidFill>
                   <a:srgbClr val="FFFFFF"/>
                 </a:solidFill>
               </a14:hiddenFill>
             </a:ext>
-            <a:ext uri="{91240B29-F687-4F45-9708-019B960494DF}">
+            <a:ext uri="{91240B29-F687-4f45-9708-019B960494DF}">
               <a14:hiddenLine xmlns:a14="http://schemas.microsoft.com/office/drawing/2010/main" w="9525">
                 <a:solidFill>
                   <a:srgbClr val="000000"/>
@@ -3618,14 +3639,14 @@
             <a:noFill/>
           </a:ln>
           <a:extLst>
-            <a:ext uri="{909E8E84-426E-40DD-AFC4-6F175D3DCCD1}">
+            <a:ext uri="{909E8E84-426E-40dd-AFC4-6F175D3DCCD1}">
               <a14:hiddenFill xmlns:a14="http://schemas.microsoft.com/office/drawing/2010/main">
                 <a:solidFill>
                   <a:srgbClr val="FFFFFF"/>
                 </a:solidFill>
               </a14:hiddenFill>
             </a:ext>
-            <a:ext uri="{91240B29-F687-4F45-9708-019B960494DF}">
+            <a:ext uri="{91240B29-F687-4f45-9708-019B960494DF}">
               <a14:hiddenLine xmlns:a14="http://schemas.microsoft.com/office/drawing/2010/main" w="9525">
                 <a:solidFill>
                   <a:srgbClr val="000000"/>
@@ -3700,7 +3721,7 @@
   <p:timing>
     <p:tnLst>
       <p:par>
-        <p:cTn id="1" dur="indefinite" restart="never" nodeType="tmRoot"/>
+        <p:cTn xmlns:p14="http://schemas.microsoft.com/office/powerpoint/2010/main" id="1" dur="indefinite" restart="never" nodeType="tmRoot"/>
       </p:par>
     </p:tnLst>
   </p:timing>
@@ -4118,7 +4139,29 @@
             <a:pPr algn="ctr"/>
             <a:r>
               <a:rPr lang="pt-BR" sz="4000" b="1" dirty="0" smtClean="0"/>
-              <a:t>Projeto Interativo IV</a:t>
+              <a:t/>
+            </a:r>
+            <a:br>
+              <a:rPr lang="pt-BR" sz="4000" b="1" dirty="0" smtClean="0"/>
+            </a:br>
+            <a:r>
+              <a:rPr lang="pt-BR" sz="4000" b="1" dirty="0" smtClean="0"/>
+              <a:t>Projeto </a:t>
+            </a:r>
+            <a:r>
+              <a:rPr lang="pt-BR" sz="4000" b="1" dirty="0" smtClean="0"/>
+              <a:t>Interativo </a:t>
+            </a:r>
+            <a:r>
+              <a:rPr lang="pt-BR" sz="4000" b="1" dirty="0" smtClean="0"/>
+              <a:t>IV</a:t>
+            </a:r>
+            <a:br>
+              <a:rPr lang="pt-BR" sz="4000" b="1" dirty="0" smtClean="0"/>
+            </a:br>
+            <a:r>
+              <a:rPr lang="pt-BR" sz="4000" b="1" dirty="0" smtClean="0"/>
+              <a:t>2ª fase</a:t>
             </a:r>
             <a:r>
               <a:rPr lang="pt-BR" sz="2400" b="1" dirty="0" smtClean="0"/>
@@ -4129,35 +4172,27 @@
             </a:br>
             <a:r>
               <a:rPr lang="pt-BR" sz="2400" b="1" dirty="0" smtClean="0"/>
-              <a:t>Ivan Probst</a:t>
+              <a:t/>
             </a:r>
             <a:br>
               <a:rPr lang="pt-BR" sz="2400" b="1" dirty="0" smtClean="0"/>
             </a:br>
             <a:r>
               <a:rPr lang="pt-BR" sz="2400" b="1" dirty="0" smtClean="0"/>
+              <a:t>Ivan </a:t>
+            </a:r>
+            <a:r>
+              <a:rPr lang="pt-BR" sz="2400" b="1" dirty="0" smtClean="0"/>
+              <a:t>Probst</a:t>
+            </a:r>
+            <a:br>
+              <a:rPr lang="pt-BR" sz="2400" b="1" dirty="0" smtClean="0"/>
+            </a:br>
+            <a:r>
+              <a:rPr lang="pt-BR" sz="2400" b="1" dirty="0" smtClean="0"/>
               <a:t>Eduardo Vasconcelos</a:t>
             </a:r>
             <a:endParaRPr lang="pt-BR" sz="2400" b="1" dirty="0"/>
-          </a:p>
-        </p:txBody>
-      </p:sp>
-      <p:sp>
-        <p:nvSpPr>
-          <p:cNvPr id="3" name="Subtítulo 2"/>
-          <p:cNvSpPr>
-            <a:spLocks noGrp="1"/>
-          </p:cNvSpPr>
-          <p:nvPr>
-            <p:ph type="subTitle" idx="1"/>
-          </p:nvPr>
-        </p:nvSpPr>
-        <p:spPr/>
-        <p:txBody>
-          <a:bodyPr/>
-          <a:lstStyle/>
-          <a:p>
-            <a:endParaRPr lang="pt-BR" dirty="0"/>
           </a:p>
         </p:txBody>
       </p:sp>
@@ -4174,7 +4209,1850 @@
   <p:timing>
     <p:tnLst>
       <p:par>
-        <p:cTn id="1" dur="indefinite" restart="never" nodeType="tmRoot"/>
+        <p:cTn xmlns:p14="http://schemas.microsoft.com/office/powerpoint/2010/main" id="1" dur="indefinite" restart="never" nodeType="tmRoot"/>
+      </p:par>
+    </p:tnLst>
+  </p:timing>
+</p:sld>
+</file>
+
+<file path=ppt/slides/slide10.xml><?xml version="1.0" encoding="utf-8"?>
+<p:sld xmlns:a="http://schemas.openxmlformats.org/drawingml/2006/main" xmlns:r="http://schemas.openxmlformats.org/officeDocument/2006/relationships" xmlns:p="http://schemas.openxmlformats.org/presentationml/2006/main">
+  <p:cSld>
+    <p:spTree>
+      <p:nvGrpSpPr>
+        <p:cNvPr id="1" name=""/>
+        <p:cNvGrpSpPr/>
+        <p:nvPr/>
+      </p:nvGrpSpPr>
+      <p:grpSpPr>
+        <a:xfrm>
+          <a:off x="0" y="0"/>
+          <a:ext cx="0" cy="0"/>
+          <a:chOff x="0" y="0"/>
+          <a:chExt cx="0" cy="0"/>
+        </a:xfrm>
+      </p:grpSpPr>
+      <p:sp>
+        <p:nvSpPr>
+          <p:cNvPr id="2" name="Title 1"/>
+          <p:cNvSpPr>
+            <a:spLocks noGrp="1"/>
+          </p:cNvSpPr>
+          <p:nvPr>
+            <p:ph type="title"/>
+          </p:nvPr>
+        </p:nvSpPr>
+        <p:spPr/>
+        <p:txBody>
+          <a:bodyPr/>
+          <a:lstStyle/>
+          <a:p>
+            <a:r>
+              <a:rPr lang="en-US" b="1" dirty="0" err="1"/>
+              <a:t>Lista</a:t>
+            </a:r>
+            <a:r>
+              <a:rPr lang="en-US" b="1" dirty="0"/>
+              <a:t> </a:t>
+            </a:r>
+            <a:r>
+              <a:rPr lang="en-US" b="1" dirty="0" err="1"/>
+              <a:t>detalhada</a:t>
+            </a:r>
+            <a:r>
+              <a:rPr lang="en-US" b="1" dirty="0"/>
+              <a:t> dos </a:t>
+            </a:r>
+            <a:r>
+              <a:rPr lang="en-US" b="1" dirty="0" err="1"/>
+              <a:t>atributos</a:t>
+            </a:r>
+            <a:endParaRPr lang="en-US" dirty="0"/>
+          </a:p>
+        </p:txBody>
+      </p:sp>
+      <p:sp>
+        <p:nvSpPr>
+          <p:cNvPr id="3" name="Content Placeholder 2"/>
+          <p:cNvSpPr>
+            <a:spLocks noGrp="1"/>
+          </p:cNvSpPr>
+          <p:nvPr>
+            <p:ph idx="1"/>
+          </p:nvPr>
+        </p:nvSpPr>
+        <p:spPr/>
+        <p:txBody>
+          <a:bodyPr/>
+          <a:lstStyle/>
+          <a:p>
+            <a:pPr lvl="0"/>
+            <a:r>
+              <a:rPr lang="pt-BR" sz="2000" dirty="0"/>
+              <a:t>DS_EMAIL</a:t>
+            </a:r>
+            <a:r>
+              <a:rPr lang="pt-BR" dirty="0"/>
+              <a:t>:</a:t>
+            </a:r>
+          </a:p>
+          <a:p>
+            <a:pPr lvl="1"/>
+            <a:r>
+              <a:rPr lang="pt-BR" dirty="0"/>
+              <a:t>Este atributo é o qual irá armazenar o </a:t>
+            </a:r>
+            <a:r>
+              <a:rPr lang="pt-BR" dirty="0" err="1"/>
+              <a:t>email</a:t>
+            </a:r>
+            <a:r>
+              <a:rPr lang="pt-BR" dirty="0"/>
+              <a:t> do usuário, este o qual servirá como canal de comunicação para alerta-lo sobre novidade, atualizações e etc</a:t>
+            </a:r>
+            <a:r>
+              <a:rPr lang="pt-BR" dirty="0" smtClean="0"/>
+              <a:t>.</a:t>
+            </a:r>
+          </a:p>
+          <a:p>
+            <a:pPr lvl="1"/>
+            <a:endParaRPr lang="pt-BR" dirty="0"/>
+          </a:p>
+          <a:p>
+            <a:pPr lvl="0"/>
+            <a:r>
+              <a:rPr lang="pt-BR" sz="2000" dirty="0"/>
+              <a:t>DS_SENHA</a:t>
+            </a:r>
+            <a:r>
+              <a:rPr lang="pt-BR" dirty="0"/>
+              <a:t>:</a:t>
+            </a:r>
+          </a:p>
+          <a:p>
+            <a:pPr lvl="1"/>
+            <a:r>
+              <a:rPr lang="pt-BR" dirty="0"/>
+              <a:t>Este campo é o qual irá armazenar a senha de acesso à aplicação, este a qual é um requisito de segurança do sistema, para que o acesso não seja público para todas as contas.</a:t>
+            </a:r>
+          </a:p>
+          <a:p>
+            <a:pPr lvl="0"/>
+            <a:endParaRPr lang="pt-BR" sz="2000" dirty="0" smtClean="0"/>
+          </a:p>
+          <a:p>
+            <a:pPr lvl="0"/>
+            <a:r>
+              <a:rPr lang="pt-BR" sz="2000" dirty="0" smtClean="0"/>
+              <a:t>DS_TELEFONE</a:t>
+            </a:r>
+            <a:r>
+              <a:rPr lang="pt-BR" sz="2000" dirty="0"/>
+              <a:t>:</a:t>
+            </a:r>
+          </a:p>
+          <a:p>
+            <a:pPr lvl="1"/>
+            <a:r>
+              <a:rPr lang="pt-BR" dirty="0"/>
+              <a:t>Este atributo é o qual irá armazenar o telefone do usuário, este o qual poderá servir como canal de comunicação para alerta-lo sobre novidade, atualizações e etc</a:t>
+            </a:r>
+            <a:r>
+              <a:rPr lang="pt-BR" dirty="0" smtClean="0"/>
+              <a:t>.</a:t>
+            </a:r>
+            <a:endParaRPr lang="pt-BR" dirty="0"/>
+          </a:p>
+        </p:txBody>
+      </p:sp>
+    </p:spTree>
+    <p:extLst>
+      <p:ext uri="{BB962C8B-B14F-4D97-AF65-F5344CB8AC3E}">
+        <p14:creationId xmlns:p14="http://schemas.microsoft.com/office/powerpoint/2010/main" val="1064090644"/>
+      </p:ext>
+    </p:extLst>
+  </p:cSld>
+  <p:clrMapOvr>
+    <a:masterClrMapping/>
+  </p:clrMapOvr>
+  <p:timing>
+    <p:tnLst>
+      <p:par>
+        <p:cTn xmlns:p14="http://schemas.microsoft.com/office/powerpoint/2010/main" id="1" dur="indefinite" restart="never" nodeType="tmRoot"/>
+      </p:par>
+    </p:tnLst>
+  </p:timing>
+</p:sld>
+</file>
+
+<file path=ppt/slides/slide11.xml><?xml version="1.0" encoding="utf-8"?>
+<p:sld xmlns:a="http://schemas.openxmlformats.org/drawingml/2006/main" xmlns:r="http://schemas.openxmlformats.org/officeDocument/2006/relationships" xmlns:p="http://schemas.openxmlformats.org/presentationml/2006/main">
+  <p:cSld>
+    <p:spTree>
+      <p:nvGrpSpPr>
+        <p:cNvPr id="1" name=""/>
+        <p:cNvGrpSpPr/>
+        <p:nvPr/>
+      </p:nvGrpSpPr>
+      <p:grpSpPr>
+        <a:xfrm>
+          <a:off x="0" y="0"/>
+          <a:ext cx="0" cy="0"/>
+          <a:chOff x="0" y="0"/>
+          <a:chExt cx="0" cy="0"/>
+        </a:xfrm>
+      </p:grpSpPr>
+      <p:sp>
+        <p:nvSpPr>
+          <p:cNvPr id="2" name="Title 1"/>
+          <p:cNvSpPr>
+            <a:spLocks noGrp="1"/>
+          </p:cNvSpPr>
+          <p:nvPr>
+            <p:ph type="title"/>
+          </p:nvPr>
+        </p:nvSpPr>
+        <p:spPr/>
+        <p:txBody>
+          <a:bodyPr/>
+          <a:lstStyle/>
+          <a:p>
+            <a:r>
+              <a:rPr lang="en-US" b="1" dirty="0" err="1"/>
+              <a:t>Lista</a:t>
+            </a:r>
+            <a:r>
+              <a:rPr lang="en-US" b="1" dirty="0"/>
+              <a:t> </a:t>
+            </a:r>
+            <a:r>
+              <a:rPr lang="en-US" b="1" dirty="0" err="1"/>
+              <a:t>detalhada</a:t>
+            </a:r>
+            <a:r>
+              <a:rPr lang="en-US" b="1" dirty="0"/>
+              <a:t> dos </a:t>
+            </a:r>
+            <a:r>
+              <a:rPr lang="en-US" b="1" dirty="0" err="1"/>
+              <a:t>atributos</a:t>
+            </a:r>
+            <a:endParaRPr lang="en-US" dirty="0"/>
+          </a:p>
+        </p:txBody>
+      </p:sp>
+      <p:sp>
+        <p:nvSpPr>
+          <p:cNvPr id="3" name="Content Placeholder 2"/>
+          <p:cNvSpPr>
+            <a:spLocks noGrp="1"/>
+          </p:cNvSpPr>
+          <p:nvPr>
+            <p:ph idx="1"/>
+          </p:nvPr>
+        </p:nvSpPr>
+        <p:spPr/>
+        <p:txBody>
+          <a:bodyPr/>
+          <a:lstStyle/>
+          <a:p>
+            <a:pPr lvl="0"/>
+            <a:r>
+              <a:rPr lang="pt-BR" sz="2000" dirty="0"/>
+              <a:t>DS_CELULAR:</a:t>
+            </a:r>
+          </a:p>
+          <a:p>
+            <a:pPr lvl="1"/>
+            <a:r>
+              <a:rPr lang="pt-BR" dirty="0"/>
+              <a:t>Este atributo é o qual irá armazenar o telefone do usuário, este o qual poderá servir como canal de comunicação para alerta-lo sobre novidade, atualizações e </a:t>
+            </a:r>
+            <a:r>
+              <a:rPr lang="pt-BR" dirty="0" err="1"/>
+              <a:t>etc</a:t>
+            </a:r>
+            <a:endParaRPr lang="pt-BR" dirty="0"/>
+          </a:p>
+          <a:p>
+            <a:pPr lvl="0"/>
+            <a:endParaRPr lang="pt-BR" sz="2000" dirty="0" smtClean="0"/>
+          </a:p>
+          <a:p>
+            <a:pPr lvl="0"/>
+            <a:r>
+              <a:rPr lang="pt-BR" sz="2000" dirty="0" smtClean="0"/>
+              <a:t>DT_NASCIMENTO</a:t>
+            </a:r>
+            <a:r>
+              <a:rPr lang="pt-BR" dirty="0"/>
+              <a:t>:</a:t>
+            </a:r>
+          </a:p>
+          <a:p>
+            <a:pPr lvl="1"/>
+            <a:r>
+              <a:rPr lang="pt-BR" dirty="0"/>
+              <a:t>Este atributo corresponde a data de nascimento do usuário, este o qual poderá servir como um atributo para realizarmos posteriores comparações quantitativas</a:t>
+            </a:r>
+            <a:r>
+              <a:rPr lang="pt-BR" dirty="0" smtClean="0"/>
+              <a:t>.</a:t>
+            </a:r>
+            <a:endParaRPr lang="pt-BR" dirty="0"/>
+          </a:p>
+          <a:p>
+            <a:endParaRPr lang="en-US" dirty="0"/>
+          </a:p>
+          <a:p>
+            <a:endParaRPr lang="en-US" dirty="0"/>
+          </a:p>
+          <a:p>
+            <a:endParaRPr lang="en-US" dirty="0"/>
+          </a:p>
+        </p:txBody>
+      </p:sp>
+    </p:spTree>
+    <p:extLst>
+      <p:ext uri="{BB962C8B-B14F-4D97-AF65-F5344CB8AC3E}">
+        <p14:creationId xmlns:p14="http://schemas.microsoft.com/office/powerpoint/2010/main" val="3468249599"/>
+      </p:ext>
+    </p:extLst>
+  </p:cSld>
+  <p:clrMapOvr>
+    <a:masterClrMapping/>
+  </p:clrMapOvr>
+  <p:timing>
+    <p:tnLst>
+      <p:par>
+        <p:cTn xmlns:p14="http://schemas.microsoft.com/office/powerpoint/2010/main" id="1" dur="indefinite" restart="never" nodeType="tmRoot"/>
+      </p:par>
+    </p:tnLst>
+  </p:timing>
+</p:sld>
+</file>
+
+<file path=ppt/slides/slide12.xml><?xml version="1.0" encoding="utf-8"?>
+<p:sld xmlns:a="http://schemas.openxmlformats.org/drawingml/2006/main" xmlns:r="http://schemas.openxmlformats.org/officeDocument/2006/relationships" xmlns:p="http://schemas.openxmlformats.org/presentationml/2006/main">
+  <p:cSld>
+    <p:spTree>
+      <p:nvGrpSpPr>
+        <p:cNvPr id="1" name=""/>
+        <p:cNvGrpSpPr/>
+        <p:nvPr/>
+      </p:nvGrpSpPr>
+      <p:grpSpPr>
+        <a:xfrm>
+          <a:off x="0" y="0"/>
+          <a:ext cx="0" cy="0"/>
+          <a:chOff x="0" y="0"/>
+          <a:chExt cx="0" cy="0"/>
+        </a:xfrm>
+      </p:grpSpPr>
+      <p:sp>
+        <p:nvSpPr>
+          <p:cNvPr id="2" name="Title 1"/>
+          <p:cNvSpPr>
+            <a:spLocks noGrp="1"/>
+          </p:cNvSpPr>
+          <p:nvPr>
+            <p:ph type="title"/>
+          </p:nvPr>
+        </p:nvSpPr>
+        <p:spPr/>
+        <p:txBody>
+          <a:bodyPr/>
+          <a:lstStyle/>
+          <a:p>
+            <a:r>
+              <a:rPr lang="en-US" b="1" dirty="0" err="1"/>
+              <a:t>Lista</a:t>
+            </a:r>
+            <a:r>
+              <a:rPr lang="en-US" b="1" dirty="0"/>
+              <a:t> </a:t>
+            </a:r>
+            <a:r>
+              <a:rPr lang="en-US" b="1" dirty="0" err="1"/>
+              <a:t>detalhada</a:t>
+            </a:r>
+            <a:r>
+              <a:rPr lang="en-US" b="1" dirty="0"/>
+              <a:t> dos </a:t>
+            </a:r>
+            <a:r>
+              <a:rPr lang="en-US" b="1" dirty="0" err="1"/>
+              <a:t>atributos</a:t>
+            </a:r>
+            <a:endParaRPr lang="en-US" dirty="0"/>
+          </a:p>
+        </p:txBody>
+      </p:sp>
+      <p:sp>
+        <p:nvSpPr>
+          <p:cNvPr id="3" name="Content Placeholder 2"/>
+          <p:cNvSpPr>
+            <a:spLocks noGrp="1"/>
+          </p:cNvSpPr>
+          <p:nvPr>
+            <p:ph idx="1"/>
+          </p:nvPr>
+        </p:nvSpPr>
+        <p:spPr/>
+        <p:txBody>
+          <a:bodyPr/>
+          <a:lstStyle/>
+          <a:p>
+            <a:pPr marL="0" indent="0">
+              <a:buNone/>
+            </a:pPr>
+            <a:r>
+              <a:rPr lang="pt-BR" b="1" dirty="0"/>
+              <a:t>Tabela: </a:t>
+            </a:r>
+            <a:r>
+              <a:rPr lang="pt-BR" b="1" dirty="0" smtClean="0"/>
+              <a:t>TB_VEICULO</a:t>
+            </a:r>
+          </a:p>
+          <a:p>
+            <a:pPr lvl="1"/>
+            <a:r>
+              <a:rPr lang="pt-BR" dirty="0" smtClean="0"/>
+              <a:t>Tabela com os dados relacionados ao carro do usu</a:t>
+            </a:r>
+            <a:r>
+              <a:rPr lang="pt-BR" dirty="0" smtClean="0"/>
+              <a:t>ário</a:t>
+            </a:r>
+            <a:endParaRPr lang="pt-BR" dirty="0"/>
+          </a:p>
+          <a:p>
+            <a:endParaRPr lang="pt-BR" b="1" dirty="0" smtClean="0"/>
+          </a:p>
+          <a:p>
+            <a:pPr marL="0" indent="0">
+              <a:buNone/>
+            </a:pPr>
+            <a:r>
+              <a:rPr lang="pt-BR" b="1" dirty="0" smtClean="0"/>
+              <a:t>Atributos:</a:t>
+            </a:r>
+            <a:endParaRPr lang="pt-BR" dirty="0"/>
+          </a:p>
+          <a:p>
+            <a:pPr lvl="0"/>
+            <a:r>
+              <a:rPr lang="pt-BR" sz="2000" dirty="0"/>
+              <a:t>ID_VEICULO:</a:t>
+            </a:r>
+          </a:p>
+          <a:p>
+            <a:pPr lvl="1"/>
+            <a:r>
+              <a:rPr lang="pt-BR" dirty="0"/>
+              <a:t>Este atributo é a chave primária da tabela, o qual enumera cada registro com um valor inteiro</a:t>
+            </a:r>
+            <a:r>
+              <a:rPr lang="pt-BR" dirty="0" smtClean="0"/>
+              <a:t>.</a:t>
+            </a:r>
+          </a:p>
+          <a:p>
+            <a:pPr lvl="1"/>
+            <a:endParaRPr lang="pt-BR" dirty="0"/>
+          </a:p>
+          <a:p>
+            <a:pPr lvl="0"/>
+            <a:r>
+              <a:rPr lang="pt-BR" sz="2000" dirty="0"/>
+              <a:t>DS_MARCA:</a:t>
+            </a:r>
+          </a:p>
+          <a:p>
+            <a:pPr lvl="1"/>
+            <a:r>
+              <a:rPr lang="pt-BR" dirty="0"/>
+              <a:t>Este atributo é o qual iremos armazenar a marca do automóvel do usuário, este o qual poderá servir como um atributo para realizarmos posteriores comparações qualitativas</a:t>
+            </a:r>
+            <a:r>
+              <a:rPr lang="pt-BR" dirty="0" smtClean="0"/>
+              <a:t>.</a:t>
+            </a:r>
+          </a:p>
+        </p:txBody>
+      </p:sp>
+    </p:spTree>
+    <p:extLst>
+      <p:ext uri="{BB962C8B-B14F-4D97-AF65-F5344CB8AC3E}">
+        <p14:creationId xmlns:p14="http://schemas.microsoft.com/office/powerpoint/2010/main" val="3188597677"/>
+      </p:ext>
+    </p:extLst>
+  </p:cSld>
+  <p:clrMapOvr>
+    <a:masterClrMapping/>
+  </p:clrMapOvr>
+  <p:timing>
+    <p:tnLst>
+      <p:par>
+        <p:cTn xmlns:p14="http://schemas.microsoft.com/office/powerpoint/2010/main" id="1" dur="indefinite" restart="never" nodeType="tmRoot"/>
+      </p:par>
+    </p:tnLst>
+  </p:timing>
+</p:sld>
+</file>
+
+<file path=ppt/slides/slide13.xml><?xml version="1.0" encoding="utf-8"?>
+<p:sld xmlns:a="http://schemas.openxmlformats.org/drawingml/2006/main" xmlns:r="http://schemas.openxmlformats.org/officeDocument/2006/relationships" xmlns:p="http://schemas.openxmlformats.org/presentationml/2006/main">
+  <p:cSld>
+    <p:spTree>
+      <p:nvGrpSpPr>
+        <p:cNvPr id="1" name=""/>
+        <p:cNvGrpSpPr/>
+        <p:nvPr/>
+      </p:nvGrpSpPr>
+      <p:grpSpPr>
+        <a:xfrm>
+          <a:off x="0" y="0"/>
+          <a:ext cx="0" cy="0"/>
+          <a:chOff x="0" y="0"/>
+          <a:chExt cx="0" cy="0"/>
+        </a:xfrm>
+      </p:grpSpPr>
+      <p:sp>
+        <p:nvSpPr>
+          <p:cNvPr id="2" name="Title 1"/>
+          <p:cNvSpPr>
+            <a:spLocks noGrp="1"/>
+          </p:cNvSpPr>
+          <p:nvPr>
+            <p:ph type="title"/>
+          </p:nvPr>
+        </p:nvSpPr>
+        <p:spPr/>
+        <p:txBody>
+          <a:bodyPr/>
+          <a:lstStyle/>
+          <a:p>
+            <a:r>
+              <a:rPr lang="en-US" b="1" dirty="0" err="1"/>
+              <a:t>Lista</a:t>
+            </a:r>
+            <a:r>
+              <a:rPr lang="en-US" b="1" dirty="0"/>
+              <a:t> </a:t>
+            </a:r>
+            <a:r>
+              <a:rPr lang="en-US" b="1" dirty="0" err="1"/>
+              <a:t>detalhada</a:t>
+            </a:r>
+            <a:r>
+              <a:rPr lang="en-US" b="1" dirty="0"/>
+              <a:t> dos </a:t>
+            </a:r>
+            <a:r>
+              <a:rPr lang="en-US" b="1" dirty="0" err="1"/>
+              <a:t>atributos</a:t>
+            </a:r>
+            <a:endParaRPr lang="en-US" dirty="0"/>
+          </a:p>
+        </p:txBody>
+      </p:sp>
+      <p:sp>
+        <p:nvSpPr>
+          <p:cNvPr id="3" name="Content Placeholder 2"/>
+          <p:cNvSpPr>
+            <a:spLocks noGrp="1"/>
+          </p:cNvSpPr>
+          <p:nvPr>
+            <p:ph idx="1"/>
+          </p:nvPr>
+        </p:nvSpPr>
+        <p:spPr/>
+        <p:txBody>
+          <a:bodyPr/>
+          <a:lstStyle/>
+          <a:p>
+            <a:pPr lvl="0"/>
+            <a:r>
+              <a:rPr lang="pt-BR" sz="2000" dirty="0" smtClean="0"/>
+              <a:t>DS_MODELO</a:t>
+            </a:r>
+            <a:r>
+              <a:rPr lang="pt-BR" sz="2000" dirty="0"/>
+              <a:t>: </a:t>
+            </a:r>
+          </a:p>
+          <a:p>
+            <a:pPr lvl="1"/>
+            <a:r>
+              <a:rPr lang="pt-BR" dirty="0"/>
+              <a:t>Este atributo é o qual iremos armazenar ao modelo do automóvel do usuário, este o qual poderá servir como um atributo para realizarmos posteriores comparações qualitativas.</a:t>
+            </a:r>
+          </a:p>
+          <a:p>
+            <a:pPr marL="0" indent="0">
+              <a:buNone/>
+            </a:pPr>
+            <a:endParaRPr lang="pt-BR" sz="2000" dirty="0"/>
+          </a:p>
+          <a:p>
+            <a:pPr lvl="0"/>
+            <a:r>
+              <a:rPr lang="pt-BR" sz="2000" dirty="0"/>
+              <a:t>NR_ANOFABRICACAO:</a:t>
+            </a:r>
+          </a:p>
+          <a:p>
+            <a:pPr lvl="1"/>
+            <a:r>
+              <a:rPr lang="pt-BR" dirty="0"/>
+              <a:t>Este atributo é o qual iremos armazenar o ano de fabricação do automóvel do usuário, este o qual poderá servir como um atributo para realizarmos posteriores comparações qualitativas.</a:t>
+            </a:r>
+          </a:p>
+          <a:p>
+            <a:pPr marL="0" indent="0">
+              <a:buNone/>
+            </a:pPr>
+            <a:endParaRPr lang="pt-BR" sz="2000" dirty="0"/>
+          </a:p>
+          <a:p>
+            <a:pPr lvl="0"/>
+            <a:r>
+              <a:rPr lang="pt-BR" sz="2000" dirty="0"/>
+              <a:t>QT_TAMANHOTANQUE:</a:t>
+            </a:r>
+          </a:p>
+          <a:p>
+            <a:pPr lvl="1"/>
+            <a:r>
+              <a:rPr lang="pt-BR" dirty="0"/>
+              <a:t>Este atributo é o qual iremos armazenar o tamanho do tanque do automóvel do usuário, em litro, o qual poderá servir como um atributo para realizarmos posteriores comparações qualitativas</a:t>
+            </a:r>
+            <a:r>
+              <a:rPr lang="pt-BR" dirty="0" smtClean="0"/>
+              <a:t>.</a:t>
+            </a:r>
+            <a:endParaRPr lang="pt-BR" dirty="0"/>
+          </a:p>
+        </p:txBody>
+      </p:sp>
+    </p:spTree>
+    <p:extLst>
+      <p:ext uri="{BB962C8B-B14F-4D97-AF65-F5344CB8AC3E}">
+        <p14:creationId xmlns:p14="http://schemas.microsoft.com/office/powerpoint/2010/main" val="3585937977"/>
+      </p:ext>
+    </p:extLst>
+  </p:cSld>
+  <p:clrMapOvr>
+    <a:masterClrMapping/>
+  </p:clrMapOvr>
+  <p:timing>
+    <p:tnLst>
+      <p:par>
+        <p:cTn xmlns:p14="http://schemas.microsoft.com/office/powerpoint/2010/main" id="1" dur="indefinite" restart="never" nodeType="tmRoot"/>
+      </p:par>
+    </p:tnLst>
+  </p:timing>
+</p:sld>
+</file>
+
+<file path=ppt/slides/slide14.xml><?xml version="1.0" encoding="utf-8"?>
+<p:sld xmlns:a="http://schemas.openxmlformats.org/drawingml/2006/main" xmlns:r="http://schemas.openxmlformats.org/officeDocument/2006/relationships" xmlns:p="http://schemas.openxmlformats.org/presentationml/2006/main">
+  <p:cSld>
+    <p:spTree>
+      <p:nvGrpSpPr>
+        <p:cNvPr id="1" name=""/>
+        <p:cNvGrpSpPr/>
+        <p:nvPr/>
+      </p:nvGrpSpPr>
+      <p:grpSpPr>
+        <a:xfrm>
+          <a:off x="0" y="0"/>
+          <a:ext cx="0" cy="0"/>
+          <a:chOff x="0" y="0"/>
+          <a:chExt cx="0" cy="0"/>
+        </a:xfrm>
+      </p:grpSpPr>
+      <p:sp>
+        <p:nvSpPr>
+          <p:cNvPr id="2" name="Title 1"/>
+          <p:cNvSpPr>
+            <a:spLocks noGrp="1"/>
+          </p:cNvSpPr>
+          <p:nvPr>
+            <p:ph type="title"/>
+          </p:nvPr>
+        </p:nvSpPr>
+        <p:spPr/>
+        <p:txBody>
+          <a:bodyPr/>
+          <a:lstStyle/>
+          <a:p>
+            <a:r>
+              <a:rPr lang="en-US" b="1" dirty="0" err="1"/>
+              <a:t>Lista</a:t>
+            </a:r>
+            <a:r>
+              <a:rPr lang="en-US" b="1" dirty="0"/>
+              <a:t> </a:t>
+            </a:r>
+            <a:r>
+              <a:rPr lang="en-US" b="1" dirty="0" err="1"/>
+              <a:t>detalhada</a:t>
+            </a:r>
+            <a:r>
+              <a:rPr lang="en-US" b="1" dirty="0"/>
+              <a:t> dos </a:t>
+            </a:r>
+            <a:r>
+              <a:rPr lang="en-US" b="1" dirty="0" err="1"/>
+              <a:t>atributos</a:t>
+            </a:r>
+            <a:endParaRPr lang="en-US" dirty="0"/>
+          </a:p>
+        </p:txBody>
+      </p:sp>
+      <p:sp>
+        <p:nvSpPr>
+          <p:cNvPr id="3" name="Content Placeholder 2"/>
+          <p:cNvSpPr>
+            <a:spLocks noGrp="1"/>
+          </p:cNvSpPr>
+          <p:nvPr>
+            <p:ph idx="1"/>
+          </p:nvPr>
+        </p:nvSpPr>
+        <p:spPr/>
+        <p:txBody>
+          <a:bodyPr/>
+          <a:lstStyle/>
+          <a:p>
+            <a:pPr lvl="0"/>
+            <a:r>
+              <a:rPr lang="pt-BR" sz="2000" dirty="0" smtClean="0"/>
+              <a:t>NR_POTENCIA</a:t>
+            </a:r>
+            <a:r>
+              <a:rPr lang="pt-BR" sz="2000" dirty="0"/>
+              <a:t>:</a:t>
+            </a:r>
+          </a:p>
+          <a:p>
+            <a:pPr lvl="1"/>
+            <a:r>
+              <a:rPr lang="pt-BR" dirty="0"/>
+              <a:t>Este atributo é o qual iremos armazenar a potencia do automóvel do usuário, este o qual poderá servir como um atributo para realizarmos posteriores comparações qualitativas entre demais usuário com o mesmo </a:t>
+            </a:r>
+            <a:r>
+              <a:rPr lang="pt-BR" dirty="0" smtClean="0"/>
+              <a:t>veículo.</a:t>
+            </a:r>
+            <a:endParaRPr lang="pt-BR" sz="2000" dirty="0"/>
+          </a:p>
+          <a:p>
+            <a:pPr marL="0" indent="0">
+              <a:buNone/>
+            </a:pPr>
+            <a:r>
+              <a:rPr lang="pt-BR" sz="2000" dirty="0"/>
+              <a:t> </a:t>
+            </a:r>
+          </a:p>
+          <a:p>
+            <a:pPr lvl="0"/>
+            <a:r>
+              <a:rPr lang="pt-BR" sz="2000" dirty="0"/>
+              <a:t>DS_COR:</a:t>
+            </a:r>
+          </a:p>
+          <a:p>
+            <a:pPr lvl="1"/>
+            <a:r>
+              <a:rPr lang="pt-BR" dirty="0"/>
+              <a:t>Este atributo é o qual iremos armazenar a cor do automóvel do usuário, este o qual acrescenta a massa de dados do veículo do usuário.</a:t>
+            </a:r>
+          </a:p>
+          <a:p>
+            <a:pPr marL="0" indent="0">
+              <a:buNone/>
+            </a:pPr>
+            <a:r>
+              <a:rPr lang="pt-BR" sz="2000" dirty="0"/>
+              <a:t> </a:t>
+            </a:r>
+          </a:p>
+          <a:p>
+            <a:pPr lvl="0"/>
+            <a:r>
+              <a:rPr lang="pt-BR" sz="2000" dirty="0"/>
+              <a:t>FK_USUARIO:</a:t>
+            </a:r>
+          </a:p>
+          <a:p>
+            <a:pPr lvl="1"/>
+            <a:r>
+              <a:rPr lang="pt-BR" dirty="0"/>
+              <a:t>Este atributo corresponde a chave estrangeira para a tabela USUARIO, isto devido a ambas apresentarem um relacionamento, logo apresentam referência de dados umas das outras.</a:t>
+            </a:r>
+          </a:p>
+          <a:p>
+            <a:endParaRPr lang="en-US" dirty="0"/>
+          </a:p>
+          <a:p>
+            <a:endParaRPr lang="en-US" dirty="0"/>
+          </a:p>
+        </p:txBody>
+      </p:sp>
+    </p:spTree>
+    <p:extLst>
+      <p:ext uri="{BB962C8B-B14F-4D97-AF65-F5344CB8AC3E}">
+        <p14:creationId xmlns:p14="http://schemas.microsoft.com/office/powerpoint/2010/main" val="3784713684"/>
+      </p:ext>
+    </p:extLst>
+  </p:cSld>
+  <p:clrMapOvr>
+    <a:masterClrMapping/>
+  </p:clrMapOvr>
+  <p:timing>
+    <p:tnLst>
+      <p:par>
+        <p:cTn xmlns:p14="http://schemas.microsoft.com/office/powerpoint/2010/main" id="1" dur="indefinite" restart="never" nodeType="tmRoot"/>
+      </p:par>
+    </p:tnLst>
+  </p:timing>
+</p:sld>
+</file>
+
+<file path=ppt/slides/slide15.xml><?xml version="1.0" encoding="utf-8"?>
+<p:sld xmlns:a="http://schemas.openxmlformats.org/drawingml/2006/main" xmlns:r="http://schemas.openxmlformats.org/officeDocument/2006/relationships" xmlns:p="http://schemas.openxmlformats.org/presentationml/2006/main">
+  <p:cSld>
+    <p:spTree>
+      <p:nvGrpSpPr>
+        <p:cNvPr id="1" name=""/>
+        <p:cNvGrpSpPr/>
+        <p:nvPr/>
+      </p:nvGrpSpPr>
+      <p:grpSpPr>
+        <a:xfrm>
+          <a:off x="0" y="0"/>
+          <a:ext cx="0" cy="0"/>
+          <a:chOff x="0" y="0"/>
+          <a:chExt cx="0" cy="0"/>
+        </a:xfrm>
+      </p:grpSpPr>
+      <p:sp>
+        <p:nvSpPr>
+          <p:cNvPr id="2" name="Title 1"/>
+          <p:cNvSpPr>
+            <a:spLocks noGrp="1"/>
+          </p:cNvSpPr>
+          <p:nvPr>
+            <p:ph type="title"/>
+          </p:nvPr>
+        </p:nvSpPr>
+        <p:spPr/>
+        <p:txBody>
+          <a:bodyPr/>
+          <a:lstStyle/>
+          <a:p>
+            <a:r>
+              <a:rPr lang="pt-BR" b="1" dirty="0"/>
+              <a:t>Script SQL para criação das tabelas</a:t>
+            </a:r>
+            <a:r>
+              <a:rPr lang="pt-BR" b="1" dirty="0" smtClean="0"/>
+              <a:t>:</a:t>
+            </a:r>
+            <a:endParaRPr lang="en-US" dirty="0"/>
+          </a:p>
+        </p:txBody>
+      </p:sp>
+      <p:sp>
+        <p:nvSpPr>
+          <p:cNvPr id="3" name="Content Placeholder 2"/>
+          <p:cNvSpPr>
+            <a:spLocks noGrp="1"/>
+          </p:cNvSpPr>
+          <p:nvPr>
+            <p:ph idx="1"/>
+          </p:nvPr>
+        </p:nvSpPr>
+        <p:spPr/>
+        <p:txBody>
+          <a:bodyPr/>
+          <a:lstStyle/>
+          <a:p>
+            <a:pPr marL="0" indent="0">
+              <a:buNone/>
+            </a:pPr>
+            <a:r>
+              <a:rPr lang="pt-BR" sz="2000" dirty="0"/>
+              <a:t>CREATE TABLE TS_USUARIO</a:t>
+            </a:r>
+          </a:p>
+          <a:p>
+            <a:pPr marL="0" indent="0">
+              <a:buNone/>
+            </a:pPr>
+            <a:r>
+              <a:rPr lang="pt-BR" sz="2000" dirty="0"/>
+              <a:t>(</a:t>
+            </a:r>
+          </a:p>
+          <a:p>
+            <a:pPr marL="0" indent="0">
+              <a:buNone/>
+            </a:pPr>
+            <a:r>
+              <a:rPr lang="pt-BR" sz="2000" dirty="0"/>
+              <a:t>	ID_USUARIO INT NOT NULL IDENTITY( 1, 1 ) PRIMARY KEY </a:t>
+            </a:r>
+          </a:p>
+          <a:p>
+            <a:pPr marL="0" indent="0">
+              <a:buNone/>
+            </a:pPr>
+            <a:r>
+              <a:rPr lang="pt-BR" sz="2000" dirty="0"/>
+              <a:t>	,DS_NOME VARCHAR( 20 ) NOT NULL</a:t>
+            </a:r>
+          </a:p>
+          <a:p>
+            <a:pPr marL="0" indent="0">
+              <a:buNone/>
+            </a:pPr>
+            <a:r>
+              <a:rPr lang="pt-BR" sz="2000" dirty="0"/>
+              <a:t>	,DS_SOBRENOME VARCHAR( 30 ) NOT NULL</a:t>
+            </a:r>
+          </a:p>
+          <a:p>
+            <a:pPr marL="0" indent="0">
+              <a:buNone/>
+            </a:pPr>
+            <a:r>
+              <a:rPr lang="pt-BR" sz="2000" dirty="0"/>
+              <a:t>	,DS_EMAIL VARCHAR( 50 ) NOT NULL</a:t>
+            </a:r>
+          </a:p>
+          <a:p>
+            <a:pPr marL="0" indent="0">
+              <a:buNone/>
+            </a:pPr>
+            <a:r>
+              <a:rPr lang="pt-BR" sz="2000" dirty="0"/>
+              <a:t>	,DS_SENHA VARCHAR( 20 ) NOT NULL</a:t>
+            </a:r>
+          </a:p>
+          <a:p>
+            <a:pPr marL="0" indent="0">
+              <a:buNone/>
+            </a:pPr>
+            <a:r>
+              <a:rPr lang="pt-BR" sz="2000" dirty="0"/>
+              <a:t>	,DS_TELEFONE CHAR( 20 ) </a:t>
+            </a:r>
+          </a:p>
+          <a:p>
+            <a:pPr marL="0" indent="0">
+              <a:buNone/>
+            </a:pPr>
+            <a:r>
+              <a:rPr lang="pt-BR" sz="2000" dirty="0"/>
+              <a:t>	,DS_CELULAR CHAR( 20 ) </a:t>
+            </a:r>
+          </a:p>
+          <a:p>
+            <a:pPr marL="0" indent="0">
+              <a:buNone/>
+            </a:pPr>
+            <a:r>
+              <a:rPr lang="pt-BR" sz="2000" dirty="0"/>
+              <a:t>	,DT_NASCIMENTO DATETIME</a:t>
+            </a:r>
+          </a:p>
+          <a:p>
+            <a:pPr marL="0" indent="0">
+              <a:buNone/>
+            </a:pPr>
+            <a:r>
+              <a:rPr lang="pt-BR" sz="2000" dirty="0" smtClean="0"/>
+              <a:t>)</a:t>
+            </a:r>
+          </a:p>
+        </p:txBody>
+      </p:sp>
+    </p:spTree>
+    <p:extLst>
+      <p:ext uri="{BB962C8B-B14F-4D97-AF65-F5344CB8AC3E}">
+        <p14:creationId xmlns:p14="http://schemas.microsoft.com/office/powerpoint/2010/main" val="3693013854"/>
+      </p:ext>
+    </p:extLst>
+  </p:cSld>
+  <p:clrMapOvr>
+    <a:masterClrMapping/>
+  </p:clrMapOvr>
+  <p:timing>
+    <p:tnLst>
+      <p:par>
+        <p:cTn xmlns:p14="http://schemas.microsoft.com/office/powerpoint/2010/main" id="1" dur="indefinite" restart="never" nodeType="tmRoot"/>
+      </p:par>
+    </p:tnLst>
+  </p:timing>
+</p:sld>
+</file>
+
+<file path=ppt/slides/slide16.xml><?xml version="1.0" encoding="utf-8"?>
+<p:sld xmlns:a="http://schemas.openxmlformats.org/drawingml/2006/main" xmlns:r="http://schemas.openxmlformats.org/officeDocument/2006/relationships" xmlns:p="http://schemas.openxmlformats.org/presentationml/2006/main">
+  <p:cSld>
+    <p:spTree>
+      <p:nvGrpSpPr>
+        <p:cNvPr id="1" name=""/>
+        <p:cNvGrpSpPr/>
+        <p:nvPr/>
+      </p:nvGrpSpPr>
+      <p:grpSpPr>
+        <a:xfrm>
+          <a:off x="0" y="0"/>
+          <a:ext cx="0" cy="0"/>
+          <a:chOff x="0" y="0"/>
+          <a:chExt cx="0" cy="0"/>
+        </a:xfrm>
+      </p:grpSpPr>
+      <p:sp>
+        <p:nvSpPr>
+          <p:cNvPr id="2" name="Title 1"/>
+          <p:cNvSpPr>
+            <a:spLocks noGrp="1"/>
+          </p:cNvSpPr>
+          <p:nvPr>
+            <p:ph type="title"/>
+          </p:nvPr>
+        </p:nvSpPr>
+        <p:spPr/>
+        <p:txBody>
+          <a:bodyPr/>
+          <a:lstStyle/>
+          <a:p>
+            <a:r>
+              <a:rPr lang="pt-BR" b="1" dirty="0"/>
+              <a:t>Script SQL para criação das tabelas:</a:t>
+            </a:r>
+            <a:endParaRPr lang="en-US" dirty="0"/>
+          </a:p>
+        </p:txBody>
+      </p:sp>
+      <p:sp>
+        <p:nvSpPr>
+          <p:cNvPr id="3" name="Content Placeholder 2"/>
+          <p:cNvSpPr>
+            <a:spLocks noGrp="1"/>
+          </p:cNvSpPr>
+          <p:nvPr>
+            <p:ph idx="1"/>
+          </p:nvPr>
+        </p:nvSpPr>
+        <p:spPr/>
+        <p:txBody>
+          <a:bodyPr/>
+          <a:lstStyle/>
+          <a:p>
+            <a:pPr marL="0" indent="0">
+              <a:buNone/>
+            </a:pPr>
+            <a:r>
+              <a:rPr lang="pt-BR" sz="2000" dirty="0"/>
+              <a:t>CREATE TABLE TB_VEICULO</a:t>
+            </a:r>
+          </a:p>
+          <a:p>
+            <a:pPr marL="0" indent="0">
+              <a:buNone/>
+            </a:pPr>
+            <a:r>
+              <a:rPr lang="pt-BR" sz="2000" dirty="0"/>
+              <a:t>(</a:t>
+            </a:r>
+          </a:p>
+          <a:p>
+            <a:pPr marL="0" indent="0">
+              <a:buNone/>
+            </a:pPr>
+            <a:r>
+              <a:rPr lang="pt-BR" sz="2000" dirty="0"/>
+              <a:t>	ID_VEICULO INT NOT NULL IDENTITY( 1, 1 ) PRIMARY KEY</a:t>
+            </a:r>
+          </a:p>
+          <a:p>
+            <a:pPr marL="0" indent="0">
+              <a:buNone/>
+            </a:pPr>
+            <a:r>
+              <a:rPr lang="pt-BR" sz="2000" dirty="0"/>
+              <a:t>	,DS_MARCA CHAR( 20 ) NOT NULL</a:t>
+            </a:r>
+          </a:p>
+          <a:p>
+            <a:pPr marL="0" indent="0">
+              <a:buNone/>
+            </a:pPr>
+            <a:r>
+              <a:rPr lang="pt-BR" sz="2000" dirty="0"/>
+              <a:t>	,DS_MODELO CHAR( 20 ) NOT NULL</a:t>
+            </a:r>
+          </a:p>
+          <a:p>
+            <a:pPr marL="0" indent="0">
+              <a:buNone/>
+            </a:pPr>
+            <a:r>
+              <a:rPr lang="pt-BR" sz="2000" dirty="0"/>
+              <a:t>	,NR_ANOFABRICACAO NUMERIC( 4 ) NOT NULL</a:t>
+            </a:r>
+          </a:p>
+          <a:p>
+            <a:pPr marL="0" indent="0">
+              <a:buNone/>
+            </a:pPr>
+            <a:r>
+              <a:rPr lang="pt-BR" sz="2000" dirty="0"/>
+              <a:t>	,QT_TAMANHOTANQUE NUMERIC( 3 ) NOT NULL</a:t>
+            </a:r>
+          </a:p>
+          <a:p>
+            <a:pPr marL="0" indent="0">
+              <a:buNone/>
+            </a:pPr>
+            <a:r>
+              <a:rPr lang="pt-BR" sz="2000" dirty="0"/>
+              <a:t>	,NR_POTENCIA NUMERIC( 2,1 ) NOT NULL</a:t>
+            </a:r>
+          </a:p>
+          <a:p>
+            <a:pPr marL="0" indent="0">
+              <a:buNone/>
+            </a:pPr>
+            <a:r>
+              <a:rPr lang="pt-BR" sz="2000" dirty="0"/>
+              <a:t>	,DS_COR VARCHAR( 15 )</a:t>
+            </a:r>
+          </a:p>
+          <a:p>
+            <a:pPr marL="0" indent="0">
+              <a:buNone/>
+            </a:pPr>
+            <a:r>
+              <a:rPr lang="pt-BR" sz="2000" dirty="0"/>
+              <a:t>	,FK_USUARIO INT NOT NULL</a:t>
+            </a:r>
+          </a:p>
+          <a:p>
+            <a:pPr marL="0" indent="0">
+              <a:buNone/>
+            </a:pPr>
+            <a:r>
+              <a:rPr lang="pt-BR" sz="2000" dirty="0"/>
+              <a:t>	,CONSTRAINT TB_VEICULO_FK_USUARIO FOREIGN KEY (FK_USUARIO) REFERENCES TS_USUARIO(ID_USUARIO)</a:t>
+            </a:r>
+          </a:p>
+          <a:p>
+            <a:pPr marL="0" indent="0">
+              <a:buNone/>
+            </a:pPr>
+            <a:r>
+              <a:rPr lang="pt-BR" sz="2000" dirty="0" smtClean="0"/>
+              <a:t>)</a:t>
+            </a:r>
+            <a:endParaRPr lang="pt-BR" sz="2000" dirty="0"/>
+          </a:p>
+        </p:txBody>
+      </p:sp>
+    </p:spTree>
+    <p:extLst>
+      <p:ext uri="{BB962C8B-B14F-4D97-AF65-F5344CB8AC3E}">
+        <p14:creationId xmlns:p14="http://schemas.microsoft.com/office/powerpoint/2010/main" val="477136066"/>
+      </p:ext>
+    </p:extLst>
+  </p:cSld>
+  <p:clrMapOvr>
+    <a:masterClrMapping/>
+  </p:clrMapOvr>
+  <p:timing>
+    <p:tnLst>
+      <p:par>
+        <p:cTn xmlns:p14="http://schemas.microsoft.com/office/powerpoint/2010/main" id="1" dur="indefinite" restart="never" nodeType="tmRoot"/>
+      </p:par>
+    </p:tnLst>
+  </p:timing>
+</p:sld>
+</file>
+
+<file path=ppt/slides/slide17.xml><?xml version="1.0" encoding="utf-8"?>
+<p:sld xmlns:a="http://schemas.openxmlformats.org/drawingml/2006/main" xmlns:r="http://schemas.openxmlformats.org/officeDocument/2006/relationships" xmlns:p="http://schemas.openxmlformats.org/presentationml/2006/main">
+  <p:cSld>
+    <p:spTree>
+      <p:nvGrpSpPr>
+        <p:cNvPr id="1" name=""/>
+        <p:cNvGrpSpPr/>
+        <p:nvPr/>
+      </p:nvGrpSpPr>
+      <p:grpSpPr>
+        <a:xfrm>
+          <a:off x="0" y="0"/>
+          <a:ext cx="0" cy="0"/>
+          <a:chOff x="0" y="0"/>
+          <a:chExt cx="0" cy="0"/>
+        </a:xfrm>
+      </p:grpSpPr>
+      <p:sp>
+        <p:nvSpPr>
+          <p:cNvPr id="2" name="Title 1"/>
+          <p:cNvSpPr>
+            <a:spLocks noGrp="1"/>
+          </p:cNvSpPr>
+          <p:nvPr>
+            <p:ph type="title"/>
+          </p:nvPr>
+        </p:nvSpPr>
+        <p:spPr/>
+        <p:txBody>
+          <a:bodyPr/>
+          <a:lstStyle/>
+          <a:p>
+            <a:r>
+              <a:rPr lang="pt-BR" b="1" dirty="0"/>
+              <a:t>Script SQL para criação das tabelas:</a:t>
+            </a:r>
+            <a:endParaRPr lang="en-US" dirty="0"/>
+          </a:p>
+        </p:txBody>
+      </p:sp>
+      <p:sp>
+        <p:nvSpPr>
+          <p:cNvPr id="3" name="Content Placeholder 2"/>
+          <p:cNvSpPr>
+            <a:spLocks noGrp="1"/>
+          </p:cNvSpPr>
+          <p:nvPr>
+            <p:ph idx="1"/>
+          </p:nvPr>
+        </p:nvSpPr>
+        <p:spPr/>
+        <p:txBody>
+          <a:bodyPr/>
+          <a:lstStyle/>
+          <a:p>
+            <a:pPr marL="0" indent="0">
+              <a:buNone/>
+            </a:pPr>
+            <a:r>
+              <a:rPr lang="pt-BR" sz="2000" dirty="0"/>
+              <a:t>CREATE TABLE TB_TIPOCOMBUSTIVEL</a:t>
+            </a:r>
+          </a:p>
+          <a:p>
+            <a:pPr marL="0" indent="0">
+              <a:buNone/>
+            </a:pPr>
+            <a:r>
+              <a:rPr lang="pt-BR" sz="2000" dirty="0"/>
+              <a:t>(</a:t>
+            </a:r>
+          </a:p>
+          <a:p>
+            <a:pPr marL="0" indent="0">
+              <a:buNone/>
+            </a:pPr>
+            <a:r>
+              <a:rPr lang="pt-BR" sz="2000" dirty="0"/>
+              <a:t>	ID_TIPOCOMBUSTIVEL INT NOT NULL IDENTITY( 1, 1 ) PRIMARY KEY</a:t>
+            </a:r>
+          </a:p>
+          <a:p>
+            <a:pPr marL="0" indent="0">
+              <a:buNone/>
+            </a:pPr>
+            <a:r>
+              <a:rPr lang="pt-BR" sz="2000" dirty="0"/>
+              <a:t>	,DS_TIPOCOMBUSTIVEL CHAR( 20 ) NOT NULL</a:t>
+            </a:r>
+          </a:p>
+          <a:p>
+            <a:pPr marL="0" indent="0">
+              <a:buNone/>
+            </a:pPr>
+            <a:r>
+              <a:rPr lang="pt-BR" sz="2000" dirty="0"/>
+              <a:t>)</a:t>
+            </a:r>
+          </a:p>
+          <a:p>
+            <a:pPr marL="0" indent="0">
+              <a:buNone/>
+            </a:pPr>
+            <a:endParaRPr lang="pt-BR" sz="2000" dirty="0" smtClean="0"/>
+          </a:p>
+          <a:p>
+            <a:pPr marL="0" indent="0">
+              <a:buNone/>
+            </a:pPr>
+            <a:r>
+              <a:rPr lang="pt-BR" sz="2000" dirty="0" smtClean="0"/>
+              <a:t>INSERT </a:t>
+            </a:r>
+            <a:r>
+              <a:rPr lang="pt-BR" sz="2000" dirty="0"/>
+              <a:t>INTO TB_TIPOCOMBUSTIVEL ( DS_TIPOCOMBUSTIVEL ) VALUES ( 'GASOLINA' ) </a:t>
+            </a:r>
+          </a:p>
+          <a:p>
+            <a:pPr marL="0" indent="0">
+              <a:buNone/>
+            </a:pPr>
+            <a:r>
+              <a:rPr lang="pt-BR" sz="2000" dirty="0"/>
+              <a:t>INSERT INTO TB_TIPOCOMBUSTIVEL ( DS_TIPOCOMBUSTIVEL ) VALUES ( 'ETANOL' )</a:t>
+            </a:r>
+          </a:p>
+          <a:p>
+            <a:pPr marL="0" indent="0">
+              <a:buNone/>
+            </a:pPr>
+            <a:r>
+              <a:rPr lang="pt-BR" sz="2000" dirty="0"/>
+              <a:t>INSERT INTO TB_TIPOCOMBUSTIVEL ( DS_TIPOCOMBUSTIVEL ) VALUES ( 'DIESEL' )</a:t>
+            </a:r>
+          </a:p>
+          <a:p>
+            <a:pPr marL="0" indent="0">
+              <a:buNone/>
+            </a:pPr>
+            <a:endParaRPr lang="pt-BR" sz="2000" dirty="0"/>
+          </a:p>
+        </p:txBody>
+      </p:sp>
+    </p:spTree>
+    <p:extLst>
+      <p:ext uri="{BB962C8B-B14F-4D97-AF65-F5344CB8AC3E}">
+        <p14:creationId xmlns:p14="http://schemas.microsoft.com/office/powerpoint/2010/main" val="1956188140"/>
+      </p:ext>
+    </p:extLst>
+  </p:cSld>
+  <p:clrMapOvr>
+    <a:masterClrMapping/>
+  </p:clrMapOvr>
+  <p:timing>
+    <p:tnLst>
+      <p:par>
+        <p:cTn xmlns:p14="http://schemas.microsoft.com/office/powerpoint/2010/main" id="1" dur="indefinite" restart="never" nodeType="tmRoot"/>
+      </p:par>
+    </p:tnLst>
+  </p:timing>
+</p:sld>
+</file>
+
+<file path=ppt/slides/slide18.xml><?xml version="1.0" encoding="utf-8"?>
+<p:sld xmlns:a="http://schemas.openxmlformats.org/drawingml/2006/main" xmlns:r="http://schemas.openxmlformats.org/officeDocument/2006/relationships" xmlns:p="http://schemas.openxmlformats.org/presentationml/2006/main">
+  <p:cSld>
+    <p:spTree>
+      <p:nvGrpSpPr>
+        <p:cNvPr id="1" name=""/>
+        <p:cNvGrpSpPr/>
+        <p:nvPr/>
+      </p:nvGrpSpPr>
+      <p:grpSpPr>
+        <a:xfrm>
+          <a:off x="0" y="0"/>
+          <a:ext cx="0" cy="0"/>
+          <a:chOff x="0" y="0"/>
+          <a:chExt cx="0" cy="0"/>
+        </a:xfrm>
+      </p:grpSpPr>
+      <p:sp>
+        <p:nvSpPr>
+          <p:cNvPr id="2" name="Title 1"/>
+          <p:cNvSpPr>
+            <a:spLocks noGrp="1"/>
+          </p:cNvSpPr>
+          <p:nvPr>
+            <p:ph type="title"/>
+          </p:nvPr>
+        </p:nvSpPr>
+        <p:spPr/>
+        <p:txBody>
+          <a:bodyPr/>
+          <a:lstStyle/>
+          <a:p>
+            <a:r>
+              <a:rPr lang="pt-BR" b="1" dirty="0"/>
+              <a:t>Script SQL para criação das tabelas:</a:t>
+            </a:r>
+            <a:endParaRPr lang="en-US" dirty="0"/>
+          </a:p>
+        </p:txBody>
+      </p:sp>
+      <p:sp>
+        <p:nvSpPr>
+          <p:cNvPr id="3" name="Content Placeholder 2"/>
+          <p:cNvSpPr>
+            <a:spLocks noGrp="1"/>
+          </p:cNvSpPr>
+          <p:nvPr>
+            <p:ph idx="1"/>
+          </p:nvPr>
+        </p:nvSpPr>
+        <p:spPr/>
+        <p:txBody>
+          <a:bodyPr/>
+          <a:lstStyle/>
+          <a:p>
+            <a:pPr marL="0" indent="0">
+              <a:buNone/>
+            </a:pPr>
+            <a:r>
+              <a:rPr lang="pt-BR" sz="2000" dirty="0"/>
+              <a:t>CREATE TABLE TB_ABASTECIMENTO</a:t>
+            </a:r>
+          </a:p>
+          <a:p>
+            <a:pPr marL="0" indent="0">
+              <a:buNone/>
+            </a:pPr>
+            <a:r>
+              <a:rPr lang="pt-BR" sz="2000" dirty="0"/>
+              <a:t>(</a:t>
+            </a:r>
+          </a:p>
+          <a:p>
+            <a:pPr marL="0" indent="0">
+              <a:buNone/>
+            </a:pPr>
+            <a:r>
+              <a:rPr lang="pt-BR" sz="2000" dirty="0"/>
+              <a:t>	ID_ABASTECIMENTO INT NOT NULL IDENTITY( 1, 1 ) PRIMARY KEY</a:t>
+            </a:r>
+          </a:p>
+          <a:p>
+            <a:pPr marL="0" indent="0">
+              <a:buNone/>
+            </a:pPr>
+            <a:r>
+              <a:rPr lang="pt-BR" sz="2000" dirty="0"/>
+              <a:t>	,VL_PORLITRO NUMERIC( 5,3 ) NOT NULL</a:t>
+            </a:r>
+          </a:p>
+          <a:p>
+            <a:pPr marL="0" indent="0">
+              <a:buNone/>
+            </a:pPr>
+            <a:r>
+              <a:rPr lang="pt-BR" sz="2000" dirty="0"/>
+              <a:t>	,QT_LITRO NUMERIC( 6,3 ) NOT NULL</a:t>
+            </a:r>
+          </a:p>
+          <a:p>
+            <a:pPr marL="0" indent="0">
+              <a:buNone/>
+            </a:pPr>
+            <a:r>
+              <a:rPr lang="pt-BR" sz="2000" dirty="0"/>
+              <a:t>	,QT_KILOMETRAGEM NUMERIC( 6, 3 ) NOT NULL</a:t>
+            </a:r>
+          </a:p>
+          <a:p>
+            <a:pPr marL="0" indent="0">
+              <a:buNone/>
+            </a:pPr>
+            <a:r>
+              <a:rPr lang="pt-BR" sz="2000" dirty="0"/>
+              <a:t>	,DS_BANDEIRAPOSTO VARCHAR( 20 )</a:t>
+            </a:r>
+          </a:p>
+          <a:p>
+            <a:pPr marL="0" indent="0">
+              <a:buNone/>
+            </a:pPr>
+            <a:r>
+              <a:rPr lang="pt-BR" sz="2000" dirty="0"/>
+              <a:t>	,DS_APELIDOPOSTO VARCHAR( 20 </a:t>
+            </a:r>
+            <a:r>
+              <a:rPr lang="pt-BR" sz="2000" dirty="0" smtClean="0"/>
+              <a:t>)</a:t>
+            </a:r>
+            <a:endParaRPr lang="pt-BR" sz="2000" dirty="0"/>
+          </a:p>
+          <a:p>
+            <a:pPr marL="0" indent="0">
+              <a:buNone/>
+            </a:pPr>
+            <a:r>
+              <a:rPr lang="pt-BR" sz="2000" dirty="0"/>
+              <a:t>	,FK_TIPOCOMBUSTIVEL INT NOT NULL</a:t>
+            </a:r>
+          </a:p>
+          <a:p>
+            <a:pPr marL="0" indent="0">
+              <a:buNone/>
+            </a:pPr>
+            <a:r>
+              <a:rPr lang="pt-BR" sz="2000" dirty="0"/>
+              <a:t>	,FK_USUARIO INT NOT NULL</a:t>
+            </a:r>
+          </a:p>
+          <a:p>
+            <a:pPr marL="0" indent="0">
+              <a:buNone/>
+            </a:pPr>
+            <a:r>
+              <a:rPr lang="pt-BR" sz="2000" dirty="0"/>
+              <a:t>	,CONSTRAINT TB_ABASTECIMENTO_FK_USUARIO FOREIGN KEY (FK_USUARIO) REFERENCES TS_USUARIO(ID_USUARIO)</a:t>
+            </a:r>
+          </a:p>
+          <a:p>
+            <a:pPr marL="0" indent="0">
+              <a:buNone/>
+            </a:pPr>
+            <a:r>
+              <a:rPr lang="pt-BR" sz="2000" dirty="0"/>
+              <a:t>	,CONSTRAINT TB_TIPOCOMBUSTIVEL_FK_TIPOCOMBUSTIVEL FOREIGN KEY (FK_TIPOCOMBUSTIVEL) REFERENCES TB_TIPOCOMBUSTIVEL(ID_TIPOCOMBUSTIVEL)</a:t>
+            </a:r>
+          </a:p>
+          <a:p>
+            <a:pPr marL="0" indent="0">
+              <a:buNone/>
+            </a:pPr>
+            <a:r>
+              <a:rPr lang="pt-BR" sz="2000" dirty="0" smtClean="0"/>
+              <a:t>)</a:t>
+            </a:r>
+            <a:endParaRPr lang="pt-BR" sz="2000" dirty="0"/>
+          </a:p>
+          <a:p>
+            <a:pPr marL="0" indent="0">
+              <a:buNone/>
+            </a:pPr>
+            <a:endParaRPr lang="en-US" sz="2000" dirty="0"/>
+          </a:p>
+          <a:p>
+            <a:pPr marL="0" indent="0">
+              <a:buNone/>
+            </a:pPr>
+            <a:endParaRPr lang="en-US" sz="2000" dirty="0"/>
+          </a:p>
+          <a:p>
+            <a:pPr marL="0" indent="0">
+              <a:buNone/>
+            </a:pPr>
+            <a:endParaRPr lang="en-US" sz="2000" dirty="0"/>
+          </a:p>
+          <a:p>
+            <a:pPr marL="0" indent="0">
+              <a:buNone/>
+            </a:pPr>
+            <a:endParaRPr lang="en-US" sz="2000" dirty="0"/>
+          </a:p>
+        </p:txBody>
+      </p:sp>
+    </p:spTree>
+    <p:extLst>
+      <p:ext uri="{BB962C8B-B14F-4D97-AF65-F5344CB8AC3E}">
+        <p14:creationId xmlns:p14="http://schemas.microsoft.com/office/powerpoint/2010/main" val="3682063090"/>
+      </p:ext>
+    </p:extLst>
+  </p:cSld>
+  <p:clrMapOvr>
+    <a:masterClrMapping/>
+  </p:clrMapOvr>
+  <p:timing>
+    <p:tnLst>
+      <p:par>
+        <p:cTn xmlns:p14="http://schemas.microsoft.com/office/powerpoint/2010/main" id="1" dur="indefinite" restart="never" nodeType="tmRoot"/>
+      </p:par>
+    </p:tnLst>
+  </p:timing>
+</p:sld>
+</file>
+
+<file path=ppt/slides/slide19.xml><?xml version="1.0" encoding="utf-8"?>
+<p:sld xmlns:a="http://schemas.openxmlformats.org/drawingml/2006/main" xmlns:r="http://schemas.openxmlformats.org/officeDocument/2006/relationships" xmlns:p="http://schemas.openxmlformats.org/presentationml/2006/main">
+  <p:cSld>
+    <p:spTree>
+      <p:nvGrpSpPr>
+        <p:cNvPr id="1" name=""/>
+        <p:cNvGrpSpPr/>
+        <p:nvPr/>
+      </p:nvGrpSpPr>
+      <p:grpSpPr>
+        <a:xfrm>
+          <a:off x="0" y="0"/>
+          <a:ext cx="0" cy="0"/>
+          <a:chOff x="0" y="0"/>
+          <a:chExt cx="0" cy="0"/>
+        </a:xfrm>
+      </p:grpSpPr>
+      <p:sp>
+        <p:nvSpPr>
+          <p:cNvPr id="2" name="Title 1"/>
+          <p:cNvSpPr>
+            <a:spLocks noGrp="1"/>
+          </p:cNvSpPr>
+          <p:nvPr>
+            <p:ph type="title"/>
+          </p:nvPr>
+        </p:nvSpPr>
+        <p:spPr/>
+        <p:txBody>
+          <a:bodyPr/>
+          <a:lstStyle/>
+          <a:p>
+            <a:r>
+              <a:rPr lang="en-US" b="1" dirty="0" err="1" smtClean="0"/>
+              <a:t>Inte</a:t>
+            </a:r>
+            <a:r>
+              <a:rPr lang="en-US" b="1" dirty="0" err="1" smtClean="0"/>
+              <a:t>ração</a:t>
+            </a:r>
+            <a:r>
+              <a:rPr lang="en-US" b="1" dirty="0" smtClean="0"/>
+              <a:t> do JavaScript com o </a:t>
+            </a:r>
+            <a:r>
+              <a:rPr lang="en-US" b="1" dirty="0" err="1" smtClean="0"/>
+              <a:t>WebSQL</a:t>
+            </a:r>
+            <a:endParaRPr lang="en-US" b="1" dirty="0"/>
+          </a:p>
+        </p:txBody>
+      </p:sp>
+      <p:sp>
+        <p:nvSpPr>
+          <p:cNvPr id="3" name="Content Placeholder 2"/>
+          <p:cNvSpPr>
+            <a:spLocks noGrp="1"/>
+          </p:cNvSpPr>
+          <p:nvPr>
+            <p:ph idx="1"/>
+          </p:nvPr>
+        </p:nvSpPr>
+        <p:spPr/>
+        <p:txBody>
+          <a:bodyPr/>
+          <a:lstStyle/>
+          <a:p>
+            <a:r>
+              <a:rPr lang="en-US" sz="2000" b="1" dirty="0" err="1" smtClean="0"/>
+              <a:t>Conex</a:t>
+            </a:r>
+            <a:r>
+              <a:rPr lang="en-US" sz="2000" b="1" dirty="0" err="1" smtClean="0"/>
+              <a:t>ão</a:t>
+            </a:r>
+            <a:r>
+              <a:rPr lang="en-US" sz="2000" b="1" dirty="0" smtClean="0"/>
+              <a:t> com o </a:t>
+            </a:r>
+            <a:r>
+              <a:rPr lang="en-US" sz="2000" b="1" dirty="0" err="1" smtClean="0"/>
+              <a:t>banco</a:t>
+            </a:r>
+            <a:r>
+              <a:rPr lang="en-US" sz="2000" b="1" dirty="0" smtClean="0"/>
+              <a:t> de dados</a:t>
+            </a:r>
+            <a:endParaRPr lang="en-US" sz="2000" b="1" dirty="0" smtClean="0"/>
+          </a:p>
+          <a:p>
+            <a:pPr lvl="1"/>
+            <a:r>
+              <a:rPr lang="en-US" sz="1600" dirty="0" err="1" smtClean="0"/>
+              <a:t>var</a:t>
+            </a:r>
+            <a:r>
+              <a:rPr lang="en-US" sz="1600" dirty="0" smtClean="0"/>
+              <a:t> </a:t>
+            </a:r>
+            <a:r>
+              <a:rPr lang="en-US" sz="1600" dirty="0" err="1" smtClean="0"/>
+              <a:t>db</a:t>
+            </a:r>
+            <a:r>
+              <a:rPr lang="en-US" sz="1600" dirty="0"/>
+              <a:t> </a:t>
+            </a:r>
+            <a:r>
+              <a:rPr lang="en-US" sz="1600" dirty="0" smtClean="0"/>
+              <a:t>= </a:t>
+            </a:r>
+            <a:r>
+              <a:rPr lang="en-US" sz="1600" dirty="0" err="1"/>
+              <a:t>window.openDatabase</a:t>
+            </a:r>
+            <a:r>
+              <a:rPr lang="en-US" sz="1600" dirty="0" smtClean="0"/>
+              <a:t>(”</a:t>
+            </a:r>
+            <a:r>
+              <a:rPr lang="en-US" sz="1600" dirty="0" err="1" smtClean="0"/>
+              <a:t>nameBanco</a:t>
+            </a:r>
+            <a:r>
+              <a:rPr lang="en-US" sz="1600" dirty="0" smtClean="0"/>
+              <a:t>"</a:t>
+            </a:r>
+            <a:r>
+              <a:rPr lang="en-US" sz="1600" dirty="0"/>
+              <a:t>, </a:t>
+            </a:r>
+            <a:r>
+              <a:rPr lang="en-US" sz="1600" dirty="0" smtClean="0"/>
+              <a:t>”Version"</a:t>
+            </a:r>
+            <a:r>
+              <a:rPr lang="en-US" sz="1600" dirty="0"/>
+              <a:t>, </a:t>
+            </a:r>
+            <a:r>
+              <a:rPr lang="en-US" sz="1600" dirty="0" smtClean="0"/>
+              <a:t>”</a:t>
+            </a:r>
+            <a:r>
+              <a:rPr lang="en-US" sz="1600" dirty="0" err="1" smtClean="0"/>
+              <a:t>descri</a:t>
+            </a:r>
+            <a:r>
+              <a:rPr lang="en-US" sz="1600" dirty="0" err="1" smtClean="0"/>
+              <a:t>ção</a:t>
+            </a:r>
+            <a:r>
+              <a:rPr lang="en-US" sz="1600" dirty="0" smtClean="0"/>
+              <a:t>"</a:t>
+            </a:r>
+            <a:r>
+              <a:rPr lang="en-US" sz="1600" dirty="0"/>
+              <a:t>, </a:t>
+            </a:r>
+            <a:r>
+              <a:rPr lang="en-US" sz="1600" dirty="0" err="1" smtClean="0"/>
+              <a:t>tamanho</a:t>
+            </a:r>
+            <a:r>
+              <a:rPr lang="en-US" sz="1600" dirty="0" smtClean="0"/>
+              <a:t>)</a:t>
+            </a:r>
+          </a:p>
+          <a:p>
+            <a:endParaRPr lang="en-US" dirty="0" smtClean="0"/>
+          </a:p>
+          <a:p>
+            <a:r>
+              <a:rPr lang="en-US" sz="2000" b="1" dirty="0" err="1" smtClean="0"/>
+              <a:t>Exemplo</a:t>
+            </a:r>
+            <a:r>
+              <a:rPr lang="en-US" sz="2000" b="1" dirty="0" smtClean="0"/>
+              <a:t>:</a:t>
+            </a:r>
+          </a:p>
+          <a:p>
+            <a:pPr lvl="1"/>
+            <a:r>
+              <a:rPr lang="en-US" sz="1800" dirty="0" err="1"/>
+              <a:t>v</a:t>
+            </a:r>
+            <a:r>
+              <a:rPr lang="en-US" sz="1800" dirty="0" err="1" smtClean="0"/>
+              <a:t>ar</a:t>
+            </a:r>
+            <a:r>
+              <a:rPr lang="en-US" sz="1800" dirty="0" smtClean="0"/>
+              <a:t> </a:t>
+            </a:r>
+            <a:r>
+              <a:rPr lang="en-US" sz="1800" dirty="0" err="1" smtClean="0"/>
+              <a:t>db</a:t>
+            </a:r>
+            <a:r>
+              <a:rPr lang="en-US" sz="1800" dirty="0" smtClean="0"/>
+              <a:t> = </a:t>
+            </a:r>
+            <a:r>
+              <a:rPr lang="en-US" sz="1800" dirty="0" err="1" smtClean="0"/>
+              <a:t>window.openDatabase</a:t>
+            </a:r>
+            <a:r>
+              <a:rPr lang="en-US" sz="1800" dirty="0"/>
+              <a:t>("</a:t>
+            </a:r>
+            <a:r>
+              <a:rPr lang="en-US" sz="1800" dirty="0" err="1"/>
+              <a:t>KraftStoff</a:t>
+            </a:r>
+            <a:r>
+              <a:rPr lang="en-US" sz="1800" dirty="0"/>
+              <a:t>", "1.0", "CRUD - SENAC", </a:t>
+            </a:r>
+            <a:r>
+              <a:rPr lang="en-US" sz="1800" dirty="0" smtClean="0"/>
+              <a:t>2 * 2048</a:t>
+            </a:r>
+            <a:r>
+              <a:rPr lang="en-US" dirty="0" smtClean="0"/>
+              <a:t>)</a:t>
+            </a:r>
+          </a:p>
+          <a:p>
+            <a:pPr marL="457200" lvl="1" indent="0">
+              <a:buNone/>
+            </a:pPr>
+            <a:endParaRPr lang="en-US" dirty="0" smtClean="0"/>
+          </a:p>
+        </p:txBody>
+      </p:sp>
+      <p:sp>
+        <p:nvSpPr>
+          <p:cNvPr id="4" name="TextBox 3"/>
+          <p:cNvSpPr txBox="1"/>
+          <p:nvPr/>
+        </p:nvSpPr>
+        <p:spPr>
+          <a:xfrm>
+            <a:off x="2760208" y="2086231"/>
+            <a:ext cx="184666" cy="369332"/>
+          </a:xfrm>
+          <a:prstGeom prst="rect">
+            <a:avLst/>
+          </a:prstGeom>
+          <a:noFill/>
+        </p:spPr>
+        <p:txBody>
+          <a:bodyPr wrap="none" rtlCol="0">
+            <a:spAutoFit/>
+          </a:bodyPr>
+          <a:lstStyle/>
+          <a:p>
+            <a:endParaRPr lang="en-US" dirty="0"/>
+          </a:p>
+        </p:txBody>
+      </p:sp>
+    </p:spTree>
+    <p:extLst>
+      <p:ext uri="{BB962C8B-B14F-4D97-AF65-F5344CB8AC3E}">
+        <p14:creationId xmlns:p14="http://schemas.microsoft.com/office/powerpoint/2010/main" val="1740126554"/>
+      </p:ext>
+    </p:extLst>
+  </p:cSld>
+  <p:clrMapOvr>
+    <a:masterClrMapping/>
+  </p:clrMapOvr>
+  <p:timing>
+    <p:tnLst>
+      <p:par>
+        <p:cTn xmlns:p14="http://schemas.microsoft.com/office/powerpoint/2010/main" id="1" dur="indefinite" restart="never" nodeType="tmRoot"/>
       </p:par>
     </p:tnLst>
   </p:timing>
@@ -4214,10 +6092,10 @@
           <a:lstStyle/>
           <a:p>
             <a:r>
-              <a:rPr lang="pt-BR" dirty="0" smtClean="0"/>
+              <a:rPr lang="pt-BR" b="1" dirty="0" smtClean="0"/>
               <a:t>Objetivo</a:t>
             </a:r>
-            <a:endParaRPr lang="pt-BR" dirty="0"/>
+            <a:endParaRPr lang="pt-BR" b="1" dirty="0"/>
           </a:p>
         </p:txBody>
       </p:sp>
@@ -4254,7 +6132,15 @@
             <a:endParaRPr lang="pt-BR" dirty="0"/>
           </a:p>
           <a:p>
-            <a:endParaRPr lang="pt-BR" dirty="0" smtClean="0"/>
+            <a:r>
+              <a:rPr lang="pt-BR" b="1" dirty="0" smtClean="0"/>
+              <a:t>A segunda fase do projeto</a:t>
+            </a:r>
+            <a:r>
+              <a:rPr lang="pt-BR" b="1" dirty="0" smtClean="0"/>
+              <a:t>, tem como objetivo apresentar o banco de dados a ser utilizado.</a:t>
+            </a:r>
+            <a:endParaRPr lang="pt-BR" b="1" dirty="0" smtClean="0"/>
           </a:p>
           <a:p>
             <a:endParaRPr lang="pt-BR" dirty="0"/>
@@ -4274,7 +6160,1668 @@
   <p:timing>
     <p:tnLst>
       <p:par>
-        <p:cTn id="1" dur="indefinite" restart="never" nodeType="tmRoot"/>
+        <p:cTn xmlns:p14="http://schemas.microsoft.com/office/powerpoint/2010/main" id="1" dur="indefinite" restart="never" nodeType="tmRoot"/>
+      </p:par>
+    </p:tnLst>
+  </p:timing>
+</p:sld>
+</file>
+
+<file path=ppt/slides/slide20.xml><?xml version="1.0" encoding="utf-8"?>
+<p:sld xmlns:a="http://schemas.openxmlformats.org/drawingml/2006/main" xmlns:r="http://schemas.openxmlformats.org/officeDocument/2006/relationships" xmlns:p="http://schemas.openxmlformats.org/presentationml/2006/main">
+  <p:cSld>
+    <p:spTree>
+      <p:nvGrpSpPr>
+        <p:cNvPr id="1" name=""/>
+        <p:cNvGrpSpPr/>
+        <p:nvPr/>
+      </p:nvGrpSpPr>
+      <p:grpSpPr>
+        <a:xfrm>
+          <a:off x="0" y="0"/>
+          <a:ext cx="0" cy="0"/>
+          <a:chOff x="0" y="0"/>
+          <a:chExt cx="0" cy="0"/>
+        </a:xfrm>
+      </p:grpSpPr>
+      <p:sp>
+        <p:nvSpPr>
+          <p:cNvPr id="2" name="Title 1"/>
+          <p:cNvSpPr>
+            <a:spLocks noGrp="1"/>
+          </p:cNvSpPr>
+          <p:nvPr>
+            <p:ph type="title"/>
+          </p:nvPr>
+        </p:nvSpPr>
+        <p:spPr/>
+        <p:txBody>
+          <a:bodyPr/>
+          <a:lstStyle/>
+          <a:p>
+            <a:r>
+              <a:rPr lang="en-US" b="1" dirty="0" err="1"/>
+              <a:t>Interação</a:t>
+            </a:r>
+            <a:r>
+              <a:rPr lang="en-US" b="1" dirty="0"/>
+              <a:t> do JavaScript com o </a:t>
+            </a:r>
+            <a:r>
+              <a:rPr lang="en-US" b="1" dirty="0" err="1" smtClean="0"/>
+              <a:t>WebSQL</a:t>
+            </a:r>
+            <a:endParaRPr lang="en-US" b="1" dirty="0"/>
+          </a:p>
+        </p:txBody>
+      </p:sp>
+      <p:sp>
+        <p:nvSpPr>
+          <p:cNvPr id="3" name="Content Placeholder 2"/>
+          <p:cNvSpPr>
+            <a:spLocks noGrp="1"/>
+          </p:cNvSpPr>
+          <p:nvPr>
+            <p:ph idx="1"/>
+          </p:nvPr>
+        </p:nvSpPr>
+        <p:spPr/>
+        <p:txBody>
+          <a:bodyPr/>
+          <a:lstStyle/>
+          <a:p>
+            <a:r>
+              <a:rPr lang="en-US" sz="2000" b="1" dirty="0" err="1" smtClean="0"/>
+              <a:t>Criando</a:t>
+            </a:r>
+            <a:r>
+              <a:rPr lang="en-US" sz="2000" b="1" dirty="0" smtClean="0"/>
+              <a:t> </a:t>
+            </a:r>
+            <a:r>
+              <a:rPr lang="en-US" sz="2000" b="1" dirty="0" err="1"/>
+              <a:t>uma</a:t>
+            </a:r>
+            <a:r>
+              <a:rPr lang="en-US" sz="2000" b="1" dirty="0"/>
+              <a:t> </a:t>
+            </a:r>
+            <a:r>
+              <a:rPr lang="en-US" sz="2000" b="1" dirty="0" err="1" smtClean="0"/>
+              <a:t>tabela</a:t>
+            </a:r>
+            <a:endParaRPr lang="en-US" sz="2000" b="1" dirty="0"/>
+          </a:p>
+          <a:p>
+            <a:pPr lvl="1"/>
+            <a:r>
+              <a:rPr lang="en-US" dirty="0" err="1" smtClean="0"/>
+              <a:t>db.transaction</a:t>
+            </a:r>
+            <a:r>
+              <a:rPr lang="en-US" dirty="0" smtClean="0"/>
+              <a:t>(</a:t>
+            </a:r>
+          </a:p>
+          <a:p>
+            <a:pPr marL="400050" lvl="1" indent="0">
+              <a:buNone/>
+            </a:pPr>
+            <a:r>
+              <a:rPr lang="en-US" dirty="0"/>
+              <a:t>	</a:t>
+            </a:r>
+            <a:r>
+              <a:rPr lang="en-US" dirty="0" smtClean="0"/>
+              <a:t>function </a:t>
+            </a:r>
+            <a:r>
+              <a:rPr lang="en-US" dirty="0"/>
+              <a:t>(</a:t>
+            </a:r>
+            <a:r>
+              <a:rPr lang="en-US" dirty="0" err="1"/>
+              <a:t>tx</a:t>
+            </a:r>
+            <a:r>
+              <a:rPr lang="en-US" dirty="0"/>
+              <a:t>) {		</a:t>
+            </a:r>
+          </a:p>
+          <a:p>
+            <a:pPr marL="400050" lvl="1" indent="0">
+              <a:buNone/>
+            </a:pPr>
+            <a:r>
+              <a:rPr lang="en-US" dirty="0"/>
+              <a:t>		</a:t>
+            </a:r>
+            <a:r>
+              <a:rPr lang="en-US" dirty="0" err="1" smtClean="0"/>
+              <a:t>tx.executeSql</a:t>
+            </a:r>
+            <a:r>
+              <a:rPr lang="en-US" dirty="0" smtClean="0"/>
+              <a:t>( query );</a:t>
+            </a:r>
+            <a:endParaRPr lang="en-US" dirty="0"/>
+          </a:p>
+          <a:p>
+            <a:pPr marL="400050" lvl="1" indent="0">
+              <a:buNone/>
+            </a:pPr>
+            <a:r>
+              <a:rPr lang="en-US" dirty="0"/>
+              <a:t>	</a:t>
+            </a:r>
+            <a:r>
+              <a:rPr lang="en-US" dirty="0" smtClean="0"/>
+              <a:t>}</a:t>
+            </a:r>
+          </a:p>
+          <a:p>
+            <a:pPr marL="400050" lvl="1" indent="0">
+              <a:buNone/>
+            </a:pPr>
+            <a:r>
+              <a:rPr lang="en-US" dirty="0" smtClean="0"/>
+              <a:t>);</a:t>
+            </a:r>
+          </a:p>
+          <a:p>
+            <a:pPr marL="0" indent="0">
+              <a:buNone/>
+            </a:pPr>
+            <a:endParaRPr lang="en-US" dirty="0"/>
+          </a:p>
+          <a:p>
+            <a:r>
+              <a:rPr lang="en-US" sz="2000" b="1" dirty="0" err="1" smtClean="0"/>
+              <a:t>Exemplo</a:t>
+            </a:r>
+            <a:r>
+              <a:rPr lang="en-US" sz="2000" b="1" dirty="0" smtClean="0"/>
+              <a:t>:</a:t>
+            </a:r>
+          </a:p>
+          <a:p>
+            <a:pPr lvl="1"/>
+            <a:r>
+              <a:rPr lang="en-US" dirty="0" err="1" smtClean="0"/>
+              <a:t>db.transaction</a:t>
+            </a:r>
+            <a:r>
+              <a:rPr lang="en-US" dirty="0" smtClean="0"/>
+              <a:t>(</a:t>
+            </a:r>
+          </a:p>
+          <a:p>
+            <a:pPr marL="400050" lvl="1" indent="0">
+              <a:buNone/>
+            </a:pPr>
+            <a:r>
+              <a:rPr lang="en-US" dirty="0" smtClean="0"/>
+              <a:t>	function (</a:t>
+            </a:r>
+            <a:r>
+              <a:rPr lang="en-US" dirty="0" err="1" smtClean="0"/>
+              <a:t>tx</a:t>
+            </a:r>
+            <a:r>
+              <a:rPr lang="en-US" dirty="0" smtClean="0"/>
+              <a:t>) {		</a:t>
+            </a:r>
+          </a:p>
+          <a:p>
+            <a:pPr marL="400050" lvl="1" indent="0">
+              <a:buNone/>
+            </a:pPr>
+            <a:r>
+              <a:rPr lang="en-US" dirty="0" smtClean="0"/>
+              <a:t>		</a:t>
+            </a:r>
+            <a:r>
+              <a:rPr lang="en-US" dirty="0" err="1" smtClean="0"/>
+              <a:t>tx.executeSql</a:t>
+            </a:r>
+            <a:r>
+              <a:rPr lang="en-US" dirty="0" smtClean="0"/>
+              <a:t>( </a:t>
+            </a:r>
+            <a:r>
+              <a:rPr lang="en-US" dirty="0" smtClean="0"/>
+              <a:t>“Create table Tabela1( ID integer ) ”</a:t>
+            </a:r>
+            <a:r>
+              <a:rPr lang="en-US" dirty="0" smtClean="0"/>
+              <a:t> );</a:t>
+            </a:r>
+          </a:p>
+          <a:p>
+            <a:pPr marL="400050" lvl="1" indent="0">
+              <a:buNone/>
+            </a:pPr>
+            <a:r>
+              <a:rPr lang="en-US" dirty="0" smtClean="0"/>
+              <a:t>	}</a:t>
+            </a:r>
+          </a:p>
+          <a:p>
+            <a:pPr marL="400050" lvl="1" indent="0">
+              <a:buNone/>
+            </a:pPr>
+            <a:r>
+              <a:rPr lang="en-US" dirty="0" smtClean="0"/>
+              <a:t>);</a:t>
+            </a:r>
+            <a:endParaRPr lang="en-US" dirty="0"/>
+          </a:p>
+        </p:txBody>
+      </p:sp>
+    </p:spTree>
+    <p:extLst>
+      <p:ext uri="{BB962C8B-B14F-4D97-AF65-F5344CB8AC3E}">
+        <p14:creationId xmlns:p14="http://schemas.microsoft.com/office/powerpoint/2010/main" val="2554826644"/>
+      </p:ext>
+    </p:extLst>
+  </p:cSld>
+  <p:clrMapOvr>
+    <a:masterClrMapping/>
+  </p:clrMapOvr>
+  <p:timing>
+    <p:tnLst>
+      <p:par>
+        <p:cTn xmlns:p14="http://schemas.microsoft.com/office/powerpoint/2010/main" id="1" dur="indefinite" restart="never" nodeType="tmRoot"/>
+      </p:par>
+    </p:tnLst>
+  </p:timing>
+</p:sld>
+</file>
+
+<file path=ppt/slides/slide21.xml><?xml version="1.0" encoding="utf-8"?>
+<p:sld xmlns:a="http://schemas.openxmlformats.org/drawingml/2006/main" xmlns:r="http://schemas.openxmlformats.org/officeDocument/2006/relationships" xmlns:p="http://schemas.openxmlformats.org/presentationml/2006/main">
+  <p:cSld>
+    <p:spTree>
+      <p:nvGrpSpPr>
+        <p:cNvPr id="1" name=""/>
+        <p:cNvGrpSpPr/>
+        <p:nvPr/>
+      </p:nvGrpSpPr>
+      <p:grpSpPr>
+        <a:xfrm>
+          <a:off x="0" y="0"/>
+          <a:ext cx="0" cy="0"/>
+          <a:chOff x="0" y="0"/>
+          <a:chExt cx="0" cy="0"/>
+        </a:xfrm>
+      </p:grpSpPr>
+      <p:sp>
+        <p:nvSpPr>
+          <p:cNvPr id="2" name="Title 1"/>
+          <p:cNvSpPr>
+            <a:spLocks noGrp="1"/>
+          </p:cNvSpPr>
+          <p:nvPr>
+            <p:ph type="title"/>
+          </p:nvPr>
+        </p:nvSpPr>
+        <p:spPr/>
+        <p:txBody>
+          <a:bodyPr/>
+          <a:lstStyle/>
+          <a:p>
+            <a:r>
+              <a:rPr lang="en-US" b="1" dirty="0" err="1"/>
+              <a:t>Interação</a:t>
+            </a:r>
+            <a:r>
+              <a:rPr lang="en-US" b="1" dirty="0"/>
+              <a:t> do JavaScript com o </a:t>
+            </a:r>
+            <a:r>
+              <a:rPr lang="en-US" b="1" dirty="0" err="1"/>
+              <a:t>WebSQL</a:t>
+            </a:r>
+            <a:endParaRPr lang="en-US" b="1" dirty="0"/>
+          </a:p>
+        </p:txBody>
+      </p:sp>
+      <p:sp>
+        <p:nvSpPr>
+          <p:cNvPr id="3" name="Content Placeholder 2"/>
+          <p:cNvSpPr>
+            <a:spLocks noGrp="1"/>
+          </p:cNvSpPr>
+          <p:nvPr>
+            <p:ph idx="1"/>
+          </p:nvPr>
+        </p:nvSpPr>
+        <p:spPr/>
+        <p:txBody>
+          <a:bodyPr/>
+          <a:lstStyle/>
+          <a:p>
+            <a:r>
+              <a:rPr lang="en-US" sz="2000" b="1" dirty="0" err="1" smtClean="0"/>
+              <a:t>Inserindo</a:t>
+            </a:r>
+            <a:r>
+              <a:rPr lang="en-US" sz="2000" b="1" dirty="0" smtClean="0"/>
+              <a:t> dados </a:t>
+            </a:r>
+            <a:r>
+              <a:rPr lang="en-US" sz="2000" b="1" dirty="0" err="1" smtClean="0"/>
+              <a:t>na</a:t>
+            </a:r>
+            <a:r>
+              <a:rPr lang="en-US" sz="2000" b="1" dirty="0" smtClean="0"/>
+              <a:t> </a:t>
+            </a:r>
+            <a:r>
+              <a:rPr lang="en-US" sz="2000" b="1" dirty="0" err="1" smtClean="0"/>
+              <a:t>tabela</a:t>
+            </a:r>
+            <a:endParaRPr lang="en-US" sz="2000" b="1" dirty="0"/>
+          </a:p>
+          <a:p>
+            <a:pPr lvl="1"/>
+            <a:r>
+              <a:rPr lang="en-US" dirty="0" err="1"/>
+              <a:t>db.transaction</a:t>
+            </a:r>
+            <a:r>
+              <a:rPr lang="en-US" dirty="0"/>
+              <a:t>(</a:t>
+            </a:r>
+          </a:p>
+          <a:p>
+            <a:pPr marL="400050" lvl="1" indent="0">
+              <a:buNone/>
+            </a:pPr>
+            <a:r>
+              <a:rPr lang="en-US" dirty="0"/>
+              <a:t>	function (</a:t>
+            </a:r>
+            <a:r>
+              <a:rPr lang="en-US" dirty="0" err="1"/>
+              <a:t>tx</a:t>
+            </a:r>
+            <a:r>
+              <a:rPr lang="en-US" dirty="0"/>
+              <a:t>) {		</a:t>
+            </a:r>
+          </a:p>
+          <a:p>
+            <a:pPr marL="400050" lvl="1" indent="0">
+              <a:buNone/>
+            </a:pPr>
+            <a:r>
+              <a:rPr lang="en-US" dirty="0"/>
+              <a:t>		</a:t>
+            </a:r>
+            <a:r>
+              <a:rPr lang="en-US" dirty="0" err="1"/>
+              <a:t>tx.executeSql</a:t>
+            </a:r>
+            <a:r>
+              <a:rPr lang="en-US" dirty="0" smtClean="0"/>
+              <a:t>( query </a:t>
+            </a:r>
+            <a:r>
+              <a:rPr lang="en-US" dirty="0"/>
+              <a:t>);</a:t>
+            </a:r>
+          </a:p>
+          <a:p>
+            <a:pPr marL="400050" lvl="1" indent="0">
+              <a:buNone/>
+            </a:pPr>
+            <a:r>
+              <a:rPr lang="en-US" dirty="0"/>
+              <a:t>	}</a:t>
+            </a:r>
+          </a:p>
+          <a:p>
+            <a:pPr marL="400050" lvl="1" indent="0">
+              <a:buNone/>
+            </a:pPr>
+            <a:r>
+              <a:rPr lang="en-US" dirty="0"/>
+              <a:t>);</a:t>
+            </a:r>
+          </a:p>
+          <a:p>
+            <a:pPr marL="0" indent="0">
+              <a:buNone/>
+            </a:pPr>
+            <a:endParaRPr lang="en-US" dirty="0"/>
+          </a:p>
+          <a:p>
+            <a:r>
+              <a:rPr lang="en-US" sz="2000" b="1" dirty="0" err="1"/>
+              <a:t>Exemplo</a:t>
+            </a:r>
+            <a:r>
+              <a:rPr lang="en-US" sz="2000" b="1" dirty="0"/>
+              <a:t>:</a:t>
+            </a:r>
+          </a:p>
+          <a:p>
+            <a:pPr lvl="1"/>
+            <a:r>
+              <a:rPr lang="en-US" dirty="0" err="1"/>
+              <a:t>db.transaction</a:t>
+            </a:r>
+            <a:r>
+              <a:rPr lang="en-US" dirty="0"/>
+              <a:t>(</a:t>
+            </a:r>
+          </a:p>
+          <a:p>
+            <a:pPr marL="400050" lvl="1" indent="0">
+              <a:buNone/>
+            </a:pPr>
+            <a:r>
+              <a:rPr lang="en-US" dirty="0"/>
+              <a:t>	function (</a:t>
+            </a:r>
+            <a:r>
+              <a:rPr lang="en-US" dirty="0" err="1"/>
+              <a:t>tx</a:t>
+            </a:r>
+            <a:r>
+              <a:rPr lang="en-US" dirty="0"/>
+              <a:t>) {		</a:t>
+            </a:r>
+          </a:p>
+          <a:p>
+            <a:pPr marL="400050" lvl="1" indent="0">
+              <a:buNone/>
+            </a:pPr>
+            <a:r>
+              <a:rPr lang="en-US" dirty="0"/>
+              <a:t>		</a:t>
+            </a:r>
+            <a:r>
+              <a:rPr lang="en-US" dirty="0" err="1" smtClean="0"/>
+              <a:t>tx.executeSql</a:t>
+            </a:r>
+            <a:r>
+              <a:rPr lang="en-US" dirty="0" smtClean="0"/>
+              <a:t>( </a:t>
+            </a:r>
+            <a:r>
+              <a:rPr lang="en-US" dirty="0" smtClean="0"/>
+              <a:t>“INSERT INTO TABELA1 ( ID ) VALUES( 1 ) ”</a:t>
+            </a:r>
+            <a:r>
+              <a:rPr lang="en-US" dirty="0" smtClean="0"/>
+              <a:t>);</a:t>
+            </a:r>
+          </a:p>
+          <a:p>
+            <a:pPr marL="400050" lvl="1" indent="0">
+              <a:buNone/>
+            </a:pPr>
+            <a:r>
+              <a:rPr lang="en-US" dirty="0" smtClean="0"/>
+              <a:t>		// com </a:t>
+            </a:r>
+            <a:r>
+              <a:rPr lang="en-US" dirty="0" err="1" smtClean="0"/>
+              <a:t>Parametro</a:t>
+            </a:r>
+            <a:r>
+              <a:rPr lang="en-US" dirty="0"/>
+              <a:t>:</a:t>
+            </a:r>
+            <a:endParaRPr lang="en-US" dirty="0" smtClean="0"/>
+          </a:p>
+          <a:p>
+            <a:pPr marL="400050" lvl="1" indent="0">
+              <a:buNone/>
+            </a:pPr>
+            <a:r>
+              <a:rPr lang="en-US" dirty="0" smtClean="0"/>
+              <a:t>		// </a:t>
+            </a:r>
+            <a:r>
+              <a:rPr lang="en-US" dirty="0" err="1" smtClean="0"/>
+              <a:t>tx.executeSql</a:t>
+            </a:r>
+            <a:r>
+              <a:rPr lang="en-US" dirty="0"/>
+              <a:t>( “INSERT INTO TABELA1 ( ID ) VALUES( </a:t>
+            </a:r>
+            <a:r>
+              <a:rPr lang="en-US" dirty="0" smtClean="0"/>
+              <a:t>? ) ”,[1] );</a:t>
+            </a:r>
+            <a:endParaRPr lang="en-US" dirty="0"/>
+          </a:p>
+          <a:p>
+            <a:pPr marL="400050" lvl="1" indent="0">
+              <a:buNone/>
+            </a:pPr>
+            <a:r>
+              <a:rPr lang="en-US" dirty="0"/>
+              <a:t>	}</a:t>
+            </a:r>
+          </a:p>
+          <a:p>
+            <a:pPr marL="400050" lvl="1" indent="0">
+              <a:buNone/>
+            </a:pPr>
+            <a:r>
+              <a:rPr lang="en-US" dirty="0" smtClean="0"/>
+              <a:t>);</a:t>
+            </a:r>
+          </a:p>
+        </p:txBody>
+      </p:sp>
+    </p:spTree>
+    <p:extLst>
+      <p:ext uri="{BB962C8B-B14F-4D97-AF65-F5344CB8AC3E}">
+        <p14:creationId xmlns:p14="http://schemas.microsoft.com/office/powerpoint/2010/main" val="1978307942"/>
+      </p:ext>
+    </p:extLst>
+  </p:cSld>
+  <p:clrMapOvr>
+    <a:masterClrMapping/>
+  </p:clrMapOvr>
+  <p:timing>
+    <p:tnLst>
+      <p:par>
+        <p:cTn xmlns:p14="http://schemas.microsoft.com/office/powerpoint/2010/main" id="1" dur="indefinite" restart="never" nodeType="tmRoot"/>
+      </p:par>
+    </p:tnLst>
+  </p:timing>
+</p:sld>
+</file>
+
+<file path=ppt/slides/slide22.xml><?xml version="1.0" encoding="utf-8"?>
+<p:sld xmlns:a="http://schemas.openxmlformats.org/drawingml/2006/main" xmlns:r="http://schemas.openxmlformats.org/officeDocument/2006/relationships" xmlns:p="http://schemas.openxmlformats.org/presentationml/2006/main">
+  <p:cSld>
+    <p:spTree>
+      <p:nvGrpSpPr>
+        <p:cNvPr id="1" name=""/>
+        <p:cNvGrpSpPr/>
+        <p:nvPr/>
+      </p:nvGrpSpPr>
+      <p:grpSpPr>
+        <a:xfrm>
+          <a:off x="0" y="0"/>
+          <a:ext cx="0" cy="0"/>
+          <a:chOff x="0" y="0"/>
+          <a:chExt cx="0" cy="0"/>
+        </a:xfrm>
+      </p:grpSpPr>
+      <p:sp>
+        <p:nvSpPr>
+          <p:cNvPr id="2" name="Title 1"/>
+          <p:cNvSpPr>
+            <a:spLocks noGrp="1"/>
+          </p:cNvSpPr>
+          <p:nvPr>
+            <p:ph type="title"/>
+          </p:nvPr>
+        </p:nvSpPr>
+        <p:spPr/>
+        <p:txBody>
+          <a:bodyPr/>
+          <a:lstStyle/>
+          <a:p>
+            <a:r>
+              <a:rPr lang="en-US" b="1" dirty="0" err="1"/>
+              <a:t>Interação</a:t>
+            </a:r>
+            <a:r>
+              <a:rPr lang="en-US" b="1" dirty="0"/>
+              <a:t> do JavaScript com o </a:t>
+            </a:r>
+            <a:r>
+              <a:rPr lang="en-US" b="1" dirty="0" err="1"/>
+              <a:t>WebSQL</a:t>
+            </a:r>
+            <a:endParaRPr lang="en-US" dirty="0"/>
+          </a:p>
+        </p:txBody>
+      </p:sp>
+      <p:sp>
+        <p:nvSpPr>
+          <p:cNvPr id="3" name="Content Placeholder 2"/>
+          <p:cNvSpPr>
+            <a:spLocks noGrp="1"/>
+          </p:cNvSpPr>
+          <p:nvPr>
+            <p:ph idx="1"/>
+          </p:nvPr>
+        </p:nvSpPr>
+        <p:spPr/>
+        <p:txBody>
+          <a:bodyPr/>
+          <a:lstStyle/>
+          <a:p>
+            <a:r>
+              <a:rPr lang="en-US" sz="2000" b="1" dirty="0" err="1" smtClean="0"/>
+              <a:t>Atualizando</a:t>
+            </a:r>
+            <a:r>
+              <a:rPr lang="en-US" sz="2000" b="1" dirty="0" smtClean="0"/>
+              <a:t> dados </a:t>
+            </a:r>
+            <a:r>
+              <a:rPr lang="en-US" sz="2000" b="1" dirty="0" err="1"/>
+              <a:t>na</a:t>
+            </a:r>
+            <a:r>
+              <a:rPr lang="en-US" sz="2000" b="1" dirty="0"/>
+              <a:t> </a:t>
+            </a:r>
+            <a:r>
+              <a:rPr lang="en-US" sz="2000" b="1" dirty="0" err="1"/>
+              <a:t>tabela</a:t>
+            </a:r>
+            <a:endParaRPr lang="en-US" sz="2000" b="1" dirty="0"/>
+          </a:p>
+          <a:p>
+            <a:pPr lvl="1"/>
+            <a:r>
+              <a:rPr lang="en-US" dirty="0" err="1"/>
+              <a:t>db.transaction</a:t>
+            </a:r>
+            <a:r>
+              <a:rPr lang="en-US" dirty="0"/>
+              <a:t>(</a:t>
+            </a:r>
+          </a:p>
+          <a:p>
+            <a:pPr marL="400050" lvl="1" indent="0">
+              <a:buNone/>
+            </a:pPr>
+            <a:r>
+              <a:rPr lang="en-US" dirty="0"/>
+              <a:t>	function (</a:t>
+            </a:r>
+            <a:r>
+              <a:rPr lang="en-US" dirty="0" err="1"/>
+              <a:t>tx</a:t>
+            </a:r>
+            <a:r>
+              <a:rPr lang="en-US" dirty="0"/>
+              <a:t>) {		</a:t>
+            </a:r>
+          </a:p>
+          <a:p>
+            <a:pPr marL="400050" lvl="1" indent="0">
+              <a:buNone/>
+            </a:pPr>
+            <a:r>
+              <a:rPr lang="en-US" dirty="0"/>
+              <a:t>		</a:t>
+            </a:r>
+            <a:r>
+              <a:rPr lang="en-US" dirty="0" err="1"/>
+              <a:t>tx.executeSql</a:t>
+            </a:r>
+            <a:r>
+              <a:rPr lang="en-US" dirty="0"/>
+              <a:t>( query );</a:t>
+            </a:r>
+          </a:p>
+          <a:p>
+            <a:pPr marL="400050" lvl="1" indent="0">
+              <a:buNone/>
+            </a:pPr>
+            <a:r>
+              <a:rPr lang="en-US" dirty="0"/>
+              <a:t>	}</a:t>
+            </a:r>
+          </a:p>
+          <a:p>
+            <a:pPr marL="400050" lvl="1" indent="0">
+              <a:buNone/>
+            </a:pPr>
+            <a:r>
+              <a:rPr lang="en-US" dirty="0"/>
+              <a:t>);</a:t>
+            </a:r>
+          </a:p>
+          <a:p>
+            <a:pPr marL="0" indent="0">
+              <a:buNone/>
+            </a:pPr>
+            <a:endParaRPr lang="en-US" dirty="0"/>
+          </a:p>
+          <a:p>
+            <a:r>
+              <a:rPr lang="en-US" sz="2000" b="1" dirty="0" err="1"/>
+              <a:t>Exemplo</a:t>
+            </a:r>
+            <a:r>
+              <a:rPr lang="en-US" sz="2000" b="1" dirty="0"/>
+              <a:t>:</a:t>
+            </a:r>
+          </a:p>
+          <a:p>
+            <a:pPr lvl="1"/>
+            <a:r>
+              <a:rPr lang="en-US" dirty="0" err="1"/>
+              <a:t>db.transaction</a:t>
+            </a:r>
+            <a:r>
+              <a:rPr lang="en-US" dirty="0"/>
+              <a:t>(</a:t>
+            </a:r>
+          </a:p>
+          <a:p>
+            <a:pPr marL="400050" lvl="1" indent="0">
+              <a:buNone/>
+            </a:pPr>
+            <a:r>
+              <a:rPr lang="en-US" dirty="0"/>
+              <a:t>	function (</a:t>
+            </a:r>
+            <a:r>
+              <a:rPr lang="en-US" dirty="0" err="1"/>
+              <a:t>tx</a:t>
+            </a:r>
+            <a:r>
+              <a:rPr lang="en-US" dirty="0"/>
+              <a:t>) {		</a:t>
+            </a:r>
+          </a:p>
+          <a:p>
+            <a:pPr marL="400050" lvl="1" indent="0">
+              <a:buNone/>
+            </a:pPr>
+            <a:r>
+              <a:rPr lang="en-US" dirty="0"/>
+              <a:t>		</a:t>
+            </a:r>
+            <a:r>
+              <a:rPr lang="en-US" dirty="0" err="1"/>
+              <a:t>tx.executeSql</a:t>
+            </a:r>
+            <a:r>
+              <a:rPr lang="en-US" dirty="0"/>
+              <a:t>( </a:t>
+            </a:r>
+            <a:r>
+              <a:rPr lang="en-US" dirty="0" smtClean="0"/>
+              <a:t>“UPDATE TABELA1 </a:t>
+            </a:r>
+            <a:r>
+              <a:rPr lang="en-US" dirty="0" smtClean="0"/>
+              <a:t>SET ID = 2”</a:t>
+            </a:r>
+            <a:r>
+              <a:rPr lang="en-US" dirty="0"/>
+              <a:t>);</a:t>
+            </a:r>
+          </a:p>
+          <a:p>
+            <a:pPr marL="400050" lvl="1" indent="0">
+              <a:buNone/>
+            </a:pPr>
+            <a:r>
+              <a:rPr lang="en-US" dirty="0"/>
+              <a:t>		// com </a:t>
+            </a:r>
+            <a:r>
+              <a:rPr lang="en-US" dirty="0" err="1"/>
+              <a:t>Parametro</a:t>
+            </a:r>
+            <a:r>
+              <a:rPr lang="en-US" dirty="0"/>
+              <a:t>:</a:t>
+            </a:r>
+          </a:p>
+          <a:p>
+            <a:pPr marL="400050" lvl="1" indent="0">
+              <a:buNone/>
+            </a:pPr>
+            <a:r>
+              <a:rPr lang="en-US" dirty="0"/>
+              <a:t>		// </a:t>
+            </a:r>
+            <a:r>
+              <a:rPr lang="en-US" dirty="0" err="1"/>
+              <a:t>tx.executeSql</a:t>
+            </a:r>
+            <a:r>
+              <a:rPr lang="en-US" dirty="0"/>
+              <a:t>( </a:t>
+            </a:r>
+            <a:r>
+              <a:rPr lang="en-US" dirty="0" smtClean="0"/>
+              <a:t>“UPDATE TABELA1 SET ID=?</a:t>
+            </a:r>
+            <a:r>
+              <a:rPr lang="en-US" dirty="0" smtClean="0"/>
+              <a:t>”, [2]);</a:t>
+            </a:r>
+            <a:endParaRPr lang="en-US" dirty="0"/>
+          </a:p>
+          <a:p>
+            <a:pPr marL="400050" lvl="1" indent="0">
+              <a:buNone/>
+            </a:pPr>
+            <a:r>
+              <a:rPr lang="en-US" dirty="0"/>
+              <a:t>	}</a:t>
+            </a:r>
+          </a:p>
+          <a:p>
+            <a:pPr marL="400050" lvl="1" indent="0">
+              <a:buNone/>
+            </a:pPr>
+            <a:r>
+              <a:rPr lang="en-US" dirty="0"/>
+              <a:t>)</a:t>
+            </a:r>
+            <a:r>
+              <a:rPr lang="en-US" dirty="0" smtClean="0"/>
+              <a:t>;</a:t>
+            </a:r>
+            <a:endParaRPr lang="en-US" dirty="0"/>
+          </a:p>
+        </p:txBody>
+      </p:sp>
+    </p:spTree>
+    <p:extLst>
+      <p:ext uri="{BB962C8B-B14F-4D97-AF65-F5344CB8AC3E}">
+        <p14:creationId xmlns:p14="http://schemas.microsoft.com/office/powerpoint/2010/main" val="2594022846"/>
+      </p:ext>
+    </p:extLst>
+  </p:cSld>
+  <p:clrMapOvr>
+    <a:masterClrMapping/>
+  </p:clrMapOvr>
+  <p:timing>
+    <p:tnLst>
+      <p:par>
+        <p:cTn xmlns:p14="http://schemas.microsoft.com/office/powerpoint/2010/main" id="1" dur="indefinite" restart="never" nodeType="tmRoot"/>
+      </p:par>
+    </p:tnLst>
+  </p:timing>
+</p:sld>
+</file>
+
+<file path=ppt/slides/slide23.xml><?xml version="1.0" encoding="utf-8"?>
+<p:sld xmlns:a="http://schemas.openxmlformats.org/drawingml/2006/main" xmlns:r="http://schemas.openxmlformats.org/officeDocument/2006/relationships" xmlns:p="http://schemas.openxmlformats.org/presentationml/2006/main">
+  <p:cSld>
+    <p:spTree>
+      <p:nvGrpSpPr>
+        <p:cNvPr id="1" name=""/>
+        <p:cNvGrpSpPr/>
+        <p:nvPr/>
+      </p:nvGrpSpPr>
+      <p:grpSpPr>
+        <a:xfrm>
+          <a:off x="0" y="0"/>
+          <a:ext cx="0" cy="0"/>
+          <a:chOff x="0" y="0"/>
+          <a:chExt cx="0" cy="0"/>
+        </a:xfrm>
+      </p:grpSpPr>
+      <p:sp>
+        <p:nvSpPr>
+          <p:cNvPr id="2" name="Title 1"/>
+          <p:cNvSpPr>
+            <a:spLocks noGrp="1"/>
+          </p:cNvSpPr>
+          <p:nvPr>
+            <p:ph type="title"/>
+          </p:nvPr>
+        </p:nvSpPr>
+        <p:spPr/>
+        <p:txBody>
+          <a:bodyPr/>
+          <a:lstStyle/>
+          <a:p>
+            <a:r>
+              <a:rPr lang="en-US" b="1" dirty="0" err="1"/>
+              <a:t>Interação</a:t>
+            </a:r>
+            <a:r>
+              <a:rPr lang="en-US" b="1" dirty="0"/>
+              <a:t> do JavaScript com o </a:t>
+            </a:r>
+            <a:r>
+              <a:rPr lang="en-US" b="1" dirty="0" err="1"/>
+              <a:t>WebSQL</a:t>
+            </a:r>
+            <a:endParaRPr lang="en-US" dirty="0"/>
+          </a:p>
+        </p:txBody>
+      </p:sp>
+      <p:sp>
+        <p:nvSpPr>
+          <p:cNvPr id="3" name="Content Placeholder 2"/>
+          <p:cNvSpPr>
+            <a:spLocks noGrp="1"/>
+          </p:cNvSpPr>
+          <p:nvPr>
+            <p:ph idx="1"/>
+          </p:nvPr>
+        </p:nvSpPr>
+        <p:spPr/>
+        <p:txBody>
+          <a:bodyPr/>
+          <a:lstStyle/>
+          <a:p>
+            <a:r>
+              <a:rPr lang="en-US" sz="2000" b="1" dirty="0" err="1"/>
+              <a:t>Buscando</a:t>
+            </a:r>
+            <a:r>
+              <a:rPr lang="en-US" sz="2000" b="1" dirty="0"/>
+              <a:t> </a:t>
+            </a:r>
+            <a:r>
+              <a:rPr lang="en-US" sz="2000" b="1" dirty="0" err="1"/>
+              <a:t>registros</a:t>
+            </a:r>
+            <a:r>
+              <a:rPr lang="en-US" sz="2000" b="1" dirty="0"/>
+              <a:t> </a:t>
+            </a:r>
+            <a:r>
+              <a:rPr lang="en-US" sz="2000" b="1" dirty="0" err="1"/>
+              <a:t>na</a:t>
+            </a:r>
+            <a:r>
+              <a:rPr lang="en-US" sz="2000" b="1" dirty="0"/>
+              <a:t> </a:t>
+            </a:r>
+            <a:r>
+              <a:rPr lang="en-US" sz="2000" b="1" dirty="0" err="1"/>
+              <a:t>tabela</a:t>
+            </a:r>
+            <a:endParaRPr lang="en-US" sz="2000" b="1" dirty="0"/>
+          </a:p>
+          <a:p>
+            <a:pPr lvl="1"/>
+            <a:r>
+              <a:rPr lang="en-US" sz="1600" dirty="0" err="1"/>
+              <a:t>db.transaction</a:t>
+            </a:r>
+            <a:r>
+              <a:rPr lang="en-US" sz="1600" dirty="0"/>
+              <a:t>(function (</a:t>
+            </a:r>
+            <a:r>
+              <a:rPr lang="en-US" sz="1600" dirty="0" err="1"/>
+              <a:t>tx</a:t>
+            </a:r>
+            <a:r>
+              <a:rPr lang="en-US" sz="1600" dirty="0"/>
+              <a:t>) {	</a:t>
+            </a:r>
+            <a:r>
+              <a:rPr lang="en-US" sz="1600" dirty="0" err="1"/>
+              <a:t>tx.executeSql</a:t>
+            </a:r>
+            <a:r>
+              <a:rPr lang="en-US" sz="1600" dirty="0"/>
+              <a:t>( </a:t>
+            </a:r>
+            <a:r>
+              <a:rPr lang="en-US" sz="1600" dirty="0" smtClean="0"/>
+              <a:t>query, </a:t>
+            </a:r>
+            <a:r>
+              <a:rPr lang="en-US" sz="1600" dirty="0"/>
+              <a:t>[],</a:t>
+            </a:r>
+          </a:p>
+          <a:p>
+            <a:pPr marL="400050" lvl="1" indent="0">
+              <a:buNone/>
+            </a:pPr>
+            <a:r>
+              <a:rPr lang="en-US" sz="1600" dirty="0"/>
+              <a:t>			function (</a:t>
+            </a:r>
+            <a:r>
+              <a:rPr lang="en-US" sz="1600" dirty="0" err="1"/>
+              <a:t>tx</a:t>
+            </a:r>
+            <a:r>
+              <a:rPr lang="en-US" sz="1600" dirty="0"/>
+              <a:t>, results) {	</a:t>
+            </a:r>
+          </a:p>
+          <a:p>
+            <a:pPr marL="400050" lvl="1" indent="0">
+              <a:buNone/>
+            </a:pPr>
+            <a:r>
+              <a:rPr lang="en-US" sz="1600" dirty="0"/>
+              <a:t>				</a:t>
+            </a:r>
+            <a:r>
+              <a:rPr lang="en-US" sz="1600" dirty="0" err="1"/>
+              <a:t>var</a:t>
+            </a:r>
+            <a:r>
+              <a:rPr lang="en-US" sz="1600" dirty="0"/>
+              <a:t> </a:t>
+            </a:r>
+            <a:r>
+              <a:rPr lang="en-US" sz="1600" dirty="0" err="1"/>
+              <a:t>len</a:t>
+            </a:r>
+            <a:r>
+              <a:rPr lang="en-US" sz="1600" dirty="0"/>
+              <a:t> = </a:t>
+            </a:r>
+            <a:r>
+              <a:rPr lang="en-US" sz="1600" dirty="0" err="1"/>
+              <a:t>results.rows.length</a:t>
+            </a:r>
+            <a:r>
+              <a:rPr lang="en-US" sz="1600" dirty="0"/>
+              <a:t>, </a:t>
+            </a:r>
+            <a:r>
+              <a:rPr lang="en-US" sz="1600" dirty="0" err="1"/>
+              <a:t>i</a:t>
+            </a:r>
+            <a:r>
+              <a:rPr lang="en-US" sz="1600" dirty="0"/>
+              <a:t>;</a:t>
+            </a:r>
+          </a:p>
+          <a:p>
+            <a:pPr marL="400050" lvl="1" indent="0">
+              <a:buNone/>
+            </a:pPr>
+            <a:r>
+              <a:rPr lang="en-US" sz="1600" dirty="0"/>
+              <a:t>				for (</a:t>
+            </a:r>
+            <a:r>
+              <a:rPr lang="en-US" sz="1600" dirty="0" err="1"/>
+              <a:t>i</a:t>
+            </a:r>
+            <a:r>
+              <a:rPr lang="en-US" sz="1600" dirty="0"/>
+              <a:t> = 0; </a:t>
+            </a:r>
+            <a:r>
+              <a:rPr lang="en-US" sz="1600" dirty="0" err="1"/>
+              <a:t>i</a:t>
+            </a:r>
+            <a:r>
+              <a:rPr lang="en-US" sz="1600" dirty="0"/>
+              <a:t> &lt; </a:t>
+            </a:r>
+            <a:r>
+              <a:rPr lang="en-US" sz="1600" dirty="0" err="1"/>
+              <a:t>len</a:t>
+            </a:r>
+            <a:r>
+              <a:rPr lang="en-US" sz="1600" dirty="0"/>
+              <a:t>; </a:t>
+            </a:r>
+            <a:r>
+              <a:rPr lang="en-US" sz="1600" dirty="0" err="1"/>
+              <a:t>i</a:t>
+            </a:r>
+            <a:r>
+              <a:rPr lang="en-US" sz="1600" dirty="0"/>
+              <a:t>++) {</a:t>
+            </a:r>
+          </a:p>
+          <a:p>
+            <a:pPr marL="400050" lvl="1" indent="0">
+              <a:buNone/>
+            </a:pPr>
+            <a:r>
+              <a:rPr lang="en-US" sz="1600" dirty="0"/>
+              <a:t>					</a:t>
+            </a:r>
+            <a:r>
+              <a:rPr lang="en-US" sz="1600" dirty="0" err="1"/>
+              <a:t>console.log</a:t>
+            </a:r>
+            <a:r>
+              <a:rPr lang="en-US" sz="1600" dirty="0"/>
+              <a:t>(</a:t>
+            </a:r>
+            <a:r>
+              <a:rPr lang="en-US" sz="1600" dirty="0" err="1"/>
+              <a:t>results.rows.item</a:t>
+            </a:r>
+            <a:r>
+              <a:rPr lang="en-US" sz="1600" dirty="0"/>
+              <a:t>(</a:t>
+            </a:r>
+            <a:r>
+              <a:rPr lang="en-US" sz="1600" dirty="0" err="1"/>
+              <a:t>i</a:t>
+            </a:r>
+            <a:r>
+              <a:rPr lang="en-US" sz="1600" dirty="0"/>
+              <a:t>)</a:t>
+            </a:r>
+            <a:r>
+              <a:rPr lang="en-US" sz="1600" dirty="0" smtClean="0"/>
+              <a:t>.text+ </a:t>
+            </a:r>
+            <a:r>
+              <a:rPr lang="en-US" sz="1600" dirty="0"/>
+              <a:t>"|" + </a:t>
+            </a:r>
+            <a:r>
+              <a:rPr lang="en-US" sz="1600" dirty="0" err="1"/>
+              <a:t>results.rows.item</a:t>
+            </a:r>
+            <a:r>
+              <a:rPr lang="en-US" sz="1600" dirty="0"/>
+              <a:t>(</a:t>
+            </a:r>
+            <a:r>
+              <a:rPr lang="en-US" sz="1600" dirty="0" err="1"/>
+              <a:t>i</a:t>
+            </a:r>
+            <a:r>
+              <a:rPr lang="en-US" sz="1600" dirty="0"/>
+              <a:t>).ID);</a:t>
+            </a:r>
+          </a:p>
+          <a:p>
+            <a:pPr marL="400050" lvl="1" indent="0">
+              <a:buNone/>
+            </a:pPr>
+            <a:r>
+              <a:rPr lang="en-US" sz="1600" dirty="0"/>
+              <a:t>				}</a:t>
+            </a:r>
+          </a:p>
+          <a:p>
+            <a:pPr marL="400050" lvl="1" indent="0">
+              <a:buNone/>
+            </a:pPr>
+            <a:r>
+              <a:rPr lang="en-US" sz="1600" dirty="0"/>
+              <a:t>			}</a:t>
+            </a:r>
+          </a:p>
+          <a:p>
+            <a:pPr marL="400050" lvl="1" indent="0">
+              <a:buNone/>
+            </a:pPr>
+            <a:r>
+              <a:rPr lang="en-US" sz="1600" dirty="0"/>
+              <a:t>		);</a:t>
+            </a:r>
+          </a:p>
+          <a:p>
+            <a:pPr marL="400050" lvl="1" indent="0">
+              <a:buNone/>
+            </a:pPr>
+            <a:r>
+              <a:rPr lang="en-US" sz="1600" dirty="0"/>
+              <a:t>	});</a:t>
+            </a:r>
+          </a:p>
+        </p:txBody>
+      </p:sp>
+    </p:spTree>
+    <p:extLst>
+      <p:ext uri="{BB962C8B-B14F-4D97-AF65-F5344CB8AC3E}">
+        <p14:creationId xmlns:p14="http://schemas.microsoft.com/office/powerpoint/2010/main" val="3418257134"/>
+      </p:ext>
+    </p:extLst>
+  </p:cSld>
+  <p:clrMapOvr>
+    <a:masterClrMapping/>
+  </p:clrMapOvr>
+</p:sld>
+</file>
+
+<file path=ppt/slides/slide24.xml><?xml version="1.0" encoding="utf-8"?>
+<p:sld xmlns:a="http://schemas.openxmlformats.org/drawingml/2006/main" xmlns:r="http://schemas.openxmlformats.org/officeDocument/2006/relationships" xmlns:p="http://schemas.openxmlformats.org/presentationml/2006/main">
+  <p:cSld>
+    <p:spTree>
+      <p:nvGrpSpPr>
+        <p:cNvPr id="1" name=""/>
+        <p:cNvGrpSpPr/>
+        <p:nvPr/>
+      </p:nvGrpSpPr>
+      <p:grpSpPr>
+        <a:xfrm>
+          <a:off x="0" y="0"/>
+          <a:ext cx="0" cy="0"/>
+          <a:chOff x="0" y="0"/>
+          <a:chExt cx="0" cy="0"/>
+        </a:xfrm>
+      </p:grpSpPr>
+      <p:sp>
+        <p:nvSpPr>
+          <p:cNvPr id="2" name="Title 1"/>
+          <p:cNvSpPr>
+            <a:spLocks noGrp="1"/>
+          </p:cNvSpPr>
+          <p:nvPr>
+            <p:ph type="title"/>
+          </p:nvPr>
+        </p:nvSpPr>
+        <p:spPr/>
+        <p:txBody>
+          <a:bodyPr/>
+          <a:lstStyle/>
+          <a:p>
+            <a:r>
+              <a:rPr lang="en-US" b="1" dirty="0" err="1"/>
+              <a:t>Interação</a:t>
+            </a:r>
+            <a:r>
+              <a:rPr lang="en-US" b="1" dirty="0"/>
+              <a:t> do JavaScript com o </a:t>
+            </a:r>
+            <a:r>
+              <a:rPr lang="en-US" b="1" dirty="0" err="1"/>
+              <a:t>WebSQL</a:t>
+            </a:r>
+            <a:endParaRPr lang="en-US" dirty="0"/>
+          </a:p>
+        </p:txBody>
+      </p:sp>
+      <p:sp>
+        <p:nvSpPr>
+          <p:cNvPr id="3" name="Content Placeholder 2"/>
+          <p:cNvSpPr>
+            <a:spLocks noGrp="1"/>
+          </p:cNvSpPr>
+          <p:nvPr>
+            <p:ph idx="1"/>
+          </p:nvPr>
+        </p:nvSpPr>
+        <p:spPr/>
+        <p:txBody>
+          <a:bodyPr/>
+          <a:lstStyle/>
+          <a:p>
+            <a:r>
+              <a:rPr lang="en-US" sz="2000" b="1" dirty="0" err="1" smtClean="0"/>
+              <a:t>Buscando</a:t>
+            </a:r>
+            <a:r>
+              <a:rPr lang="en-US" sz="2000" b="1" dirty="0" smtClean="0"/>
+              <a:t> </a:t>
+            </a:r>
+            <a:r>
+              <a:rPr lang="en-US" sz="2000" b="1" dirty="0" err="1" smtClean="0"/>
+              <a:t>registros</a:t>
+            </a:r>
+            <a:r>
+              <a:rPr lang="en-US" sz="2000" b="1" dirty="0" smtClean="0"/>
+              <a:t> </a:t>
+            </a:r>
+            <a:r>
+              <a:rPr lang="en-US" sz="2000" b="1" dirty="0" err="1" smtClean="0"/>
+              <a:t>na</a:t>
+            </a:r>
+            <a:r>
+              <a:rPr lang="en-US" sz="2000" b="1" dirty="0" smtClean="0"/>
+              <a:t> </a:t>
+            </a:r>
+            <a:r>
+              <a:rPr lang="en-US" sz="2000" b="1" dirty="0" err="1" smtClean="0"/>
+              <a:t>tabela</a:t>
+            </a:r>
+            <a:endParaRPr lang="en-US" sz="2000" b="1" dirty="0"/>
+          </a:p>
+          <a:p>
+            <a:pPr lvl="1"/>
+            <a:r>
+              <a:rPr lang="en-US" sz="1600" dirty="0" err="1" smtClean="0"/>
+              <a:t>db.transaction</a:t>
+            </a:r>
+            <a:r>
+              <a:rPr lang="en-US" sz="1600" dirty="0"/>
+              <a:t>(function (</a:t>
+            </a:r>
+            <a:r>
+              <a:rPr lang="en-US" sz="1600" dirty="0" err="1"/>
+              <a:t>tx</a:t>
+            </a:r>
+            <a:r>
+              <a:rPr lang="en-US" sz="1600" dirty="0"/>
+              <a:t>) {	</a:t>
+            </a:r>
+            <a:r>
+              <a:rPr lang="en-US" sz="1600" dirty="0" err="1" smtClean="0"/>
+              <a:t>tx.executeSql</a:t>
+            </a:r>
+            <a:r>
+              <a:rPr lang="en-US" sz="1600" dirty="0" smtClean="0"/>
+              <a:t>( </a:t>
+            </a:r>
+            <a:r>
+              <a:rPr lang="en-US" sz="1600" dirty="0" smtClean="0"/>
+              <a:t>“SELECT * FROM TABELA1</a:t>
+            </a:r>
+            <a:r>
+              <a:rPr lang="en-US" sz="1600" dirty="0" smtClean="0"/>
+              <a:t>, [</a:t>
+            </a:r>
+            <a:r>
+              <a:rPr lang="en-US" sz="1600" dirty="0"/>
+              <a:t>],</a:t>
+            </a:r>
+          </a:p>
+          <a:p>
+            <a:pPr marL="400050" lvl="1" indent="0">
+              <a:buNone/>
+            </a:pPr>
+            <a:r>
+              <a:rPr lang="en-US" sz="1600" dirty="0"/>
+              <a:t>			function (</a:t>
+            </a:r>
+            <a:r>
+              <a:rPr lang="en-US" sz="1600" dirty="0" err="1"/>
+              <a:t>tx</a:t>
+            </a:r>
+            <a:r>
+              <a:rPr lang="en-US" sz="1600" dirty="0"/>
+              <a:t>, results) {	</a:t>
+            </a:r>
+          </a:p>
+          <a:p>
+            <a:pPr marL="400050" lvl="1" indent="0">
+              <a:buNone/>
+            </a:pPr>
+            <a:r>
+              <a:rPr lang="en-US" sz="1600" dirty="0"/>
+              <a:t>				</a:t>
+            </a:r>
+            <a:r>
+              <a:rPr lang="en-US" sz="1600" dirty="0" err="1"/>
+              <a:t>var</a:t>
+            </a:r>
+            <a:r>
+              <a:rPr lang="en-US" sz="1600" dirty="0"/>
+              <a:t> </a:t>
+            </a:r>
+            <a:r>
+              <a:rPr lang="en-US" sz="1600" dirty="0" err="1"/>
+              <a:t>len</a:t>
+            </a:r>
+            <a:r>
+              <a:rPr lang="en-US" sz="1600" dirty="0"/>
+              <a:t> = </a:t>
+            </a:r>
+            <a:r>
+              <a:rPr lang="en-US" sz="1600" dirty="0" err="1"/>
+              <a:t>results.rows.length</a:t>
+            </a:r>
+            <a:r>
+              <a:rPr lang="en-US" sz="1600" dirty="0"/>
+              <a:t>, </a:t>
+            </a:r>
+            <a:r>
+              <a:rPr lang="en-US" sz="1600" dirty="0" err="1"/>
+              <a:t>i</a:t>
+            </a:r>
+            <a:r>
+              <a:rPr lang="en-US" sz="1600" dirty="0"/>
+              <a:t>;</a:t>
+            </a:r>
+          </a:p>
+          <a:p>
+            <a:pPr marL="400050" lvl="1" indent="0">
+              <a:buNone/>
+            </a:pPr>
+            <a:r>
+              <a:rPr lang="en-US" sz="1600" dirty="0"/>
+              <a:t>				for (</a:t>
+            </a:r>
+            <a:r>
+              <a:rPr lang="en-US" sz="1600" dirty="0" err="1"/>
+              <a:t>i</a:t>
+            </a:r>
+            <a:r>
+              <a:rPr lang="en-US" sz="1600" dirty="0"/>
+              <a:t> = 0; </a:t>
+            </a:r>
+            <a:r>
+              <a:rPr lang="en-US" sz="1600" dirty="0" err="1"/>
+              <a:t>i</a:t>
+            </a:r>
+            <a:r>
+              <a:rPr lang="en-US" sz="1600" dirty="0"/>
+              <a:t> &lt; </a:t>
+            </a:r>
+            <a:r>
+              <a:rPr lang="en-US" sz="1600" dirty="0" err="1"/>
+              <a:t>len</a:t>
+            </a:r>
+            <a:r>
+              <a:rPr lang="en-US" sz="1600" dirty="0"/>
+              <a:t>; </a:t>
+            </a:r>
+            <a:r>
+              <a:rPr lang="en-US" sz="1600" dirty="0" err="1"/>
+              <a:t>i</a:t>
+            </a:r>
+            <a:r>
+              <a:rPr lang="en-US" sz="1600" dirty="0"/>
+              <a:t>++) {</a:t>
+            </a:r>
+          </a:p>
+          <a:p>
+            <a:pPr marL="400050" lvl="1" indent="0">
+              <a:buNone/>
+            </a:pPr>
+            <a:r>
+              <a:rPr lang="en-US" sz="1600" dirty="0"/>
+              <a:t>					</a:t>
+            </a:r>
+            <a:r>
+              <a:rPr lang="en-US" sz="1600" dirty="0" err="1"/>
+              <a:t>console.log</a:t>
+            </a:r>
+            <a:r>
+              <a:rPr lang="en-US" sz="1600" dirty="0"/>
+              <a:t>(</a:t>
+            </a:r>
+            <a:r>
+              <a:rPr lang="en-US" sz="1600" dirty="0" err="1"/>
+              <a:t>results.rows.item</a:t>
+            </a:r>
+            <a:r>
+              <a:rPr lang="en-US" sz="1600" dirty="0"/>
+              <a:t>(</a:t>
+            </a:r>
+            <a:r>
+              <a:rPr lang="en-US" sz="1600" dirty="0" err="1"/>
+              <a:t>i</a:t>
+            </a:r>
+            <a:r>
+              <a:rPr lang="en-US" sz="1600" dirty="0"/>
+              <a:t>)</a:t>
+            </a:r>
+            <a:r>
+              <a:rPr lang="en-US" sz="1600" dirty="0" smtClean="0"/>
+              <a:t>.ID + </a:t>
+            </a:r>
+            <a:r>
+              <a:rPr lang="en-US" sz="1600" dirty="0"/>
+              <a:t>"|" + </a:t>
+            </a:r>
+            <a:r>
+              <a:rPr lang="en-US" sz="1600" dirty="0" err="1"/>
+              <a:t>results.rows.item</a:t>
+            </a:r>
+            <a:r>
+              <a:rPr lang="en-US" sz="1600" dirty="0"/>
+              <a:t>(</a:t>
+            </a:r>
+            <a:r>
+              <a:rPr lang="en-US" sz="1600" dirty="0" err="1"/>
+              <a:t>i</a:t>
+            </a:r>
+            <a:r>
+              <a:rPr lang="en-US" sz="1600" dirty="0"/>
+              <a:t>)</a:t>
+            </a:r>
+            <a:r>
+              <a:rPr lang="en-US" sz="1600" dirty="0" smtClean="0"/>
+              <a:t>.ID)</a:t>
+            </a:r>
+            <a:r>
+              <a:rPr lang="en-US" sz="1600" dirty="0"/>
+              <a:t>;</a:t>
+            </a:r>
+          </a:p>
+          <a:p>
+            <a:pPr marL="400050" lvl="1" indent="0">
+              <a:buNone/>
+            </a:pPr>
+            <a:r>
+              <a:rPr lang="en-US" sz="1600" dirty="0"/>
+              <a:t>				}</a:t>
+            </a:r>
+          </a:p>
+          <a:p>
+            <a:pPr marL="400050" lvl="1" indent="0">
+              <a:buNone/>
+            </a:pPr>
+            <a:r>
+              <a:rPr lang="en-US" sz="1600" dirty="0"/>
+              <a:t>			</a:t>
+            </a:r>
+            <a:r>
+              <a:rPr lang="en-US" sz="1600" dirty="0" smtClean="0"/>
+              <a:t>}</a:t>
+            </a:r>
+            <a:endParaRPr lang="en-US" sz="1600" dirty="0"/>
+          </a:p>
+          <a:p>
+            <a:pPr marL="400050" lvl="1" indent="0">
+              <a:buNone/>
+            </a:pPr>
+            <a:r>
+              <a:rPr lang="en-US" sz="1600" dirty="0"/>
+              <a:t>		);</a:t>
+            </a:r>
+          </a:p>
+          <a:p>
+            <a:pPr marL="400050" lvl="1" indent="0">
+              <a:buNone/>
+            </a:pPr>
+            <a:r>
+              <a:rPr lang="en-US" sz="1600" dirty="0"/>
+              <a:t>	});</a:t>
+            </a:r>
+            <a:endParaRPr lang="en-US" sz="1600" dirty="0" smtClean="0"/>
+          </a:p>
+        </p:txBody>
+      </p:sp>
+    </p:spTree>
+    <p:extLst>
+      <p:ext uri="{BB962C8B-B14F-4D97-AF65-F5344CB8AC3E}">
+        <p14:creationId xmlns:p14="http://schemas.microsoft.com/office/powerpoint/2010/main" val="2239496812"/>
+      </p:ext>
+    </p:extLst>
+  </p:cSld>
+  <p:clrMapOvr>
+    <a:masterClrMapping/>
+  </p:clrMapOvr>
+  <p:timing>
+    <p:tnLst>
+      <p:par>
+        <p:cTn xmlns:p14="http://schemas.microsoft.com/office/powerpoint/2010/main" id="1" dur="indefinite" restart="never" nodeType="tmRoot"/>
+      </p:par>
+    </p:tnLst>
+  </p:timing>
+</p:sld>
+</file>
+
+<file path=ppt/slides/slide25.xml><?xml version="1.0" encoding="utf-8"?>
+<p:sld xmlns:a="http://schemas.openxmlformats.org/drawingml/2006/main" xmlns:r="http://schemas.openxmlformats.org/officeDocument/2006/relationships" xmlns:p="http://schemas.openxmlformats.org/presentationml/2006/main">
+  <p:cSld>
+    <p:spTree>
+      <p:nvGrpSpPr>
+        <p:cNvPr id="1" name=""/>
+        <p:cNvGrpSpPr/>
+        <p:nvPr/>
+      </p:nvGrpSpPr>
+      <p:grpSpPr>
+        <a:xfrm>
+          <a:off x="0" y="0"/>
+          <a:ext cx="0" cy="0"/>
+          <a:chOff x="0" y="0"/>
+          <a:chExt cx="0" cy="0"/>
+        </a:xfrm>
+      </p:grpSpPr>
+      <p:sp>
+        <p:nvSpPr>
+          <p:cNvPr id="2" name="Title 1"/>
+          <p:cNvSpPr>
+            <a:spLocks noGrp="1"/>
+          </p:cNvSpPr>
+          <p:nvPr>
+            <p:ph type="title"/>
+          </p:nvPr>
+        </p:nvSpPr>
+        <p:spPr/>
+        <p:txBody>
+          <a:bodyPr/>
+          <a:lstStyle/>
+          <a:p>
+            <a:pPr algn="ctr"/>
+            <a:endParaRPr lang="en-US" dirty="0"/>
+          </a:p>
+        </p:txBody>
+      </p:sp>
+      <p:sp>
+        <p:nvSpPr>
+          <p:cNvPr id="3" name="Content Placeholder 2"/>
+          <p:cNvSpPr>
+            <a:spLocks noGrp="1"/>
+          </p:cNvSpPr>
+          <p:nvPr>
+            <p:ph idx="1"/>
+          </p:nvPr>
+        </p:nvSpPr>
+        <p:spPr/>
+        <p:txBody>
+          <a:bodyPr anchor="ctr"/>
+          <a:lstStyle/>
+          <a:p>
+            <a:pPr marL="0" indent="0" algn="ctr">
+              <a:buNone/>
+            </a:pPr>
+            <a:r>
+              <a:rPr lang="en-US" dirty="0"/>
+              <a:t>OBRIGADO!!</a:t>
+            </a:r>
+          </a:p>
+          <a:p>
+            <a:endParaRPr lang="en-US" dirty="0"/>
+          </a:p>
+        </p:txBody>
+      </p:sp>
+    </p:spTree>
+    <p:extLst>
+      <p:ext uri="{BB962C8B-B14F-4D97-AF65-F5344CB8AC3E}">
+        <p14:creationId xmlns:p14="http://schemas.microsoft.com/office/powerpoint/2010/main" val="768191704"/>
+      </p:ext>
+    </p:extLst>
+  </p:cSld>
+  <p:clrMapOvr>
+    <a:masterClrMapping/>
+  </p:clrMapOvr>
+  <p:timing>
+    <p:tnLst>
+      <p:par>
+        <p:cTn xmlns:p14="http://schemas.microsoft.com/office/powerpoint/2010/main" id="1" dur="indefinite" restart="never" nodeType="tmRoot"/>
       </p:par>
     </p:tnLst>
   </p:timing>
@@ -4314,10 +7861,10 @@
           <a:lstStyle/>
           <a:p>
             <a:r>
-              <a:rPr lang="pt-BR" dirty="0" smtClean="0"/>
+              <a:rPr lang="pt-BR" b="1" dirty="0" smtClean="0"/>
               <a:t>Dados do ambiente</a:t>
             </a:r>
-            <a:endParaRPr lang="pt-BR" dirty="0"/>
+            <a:endParaRPr lang="pt-BR" b="1" dirty="0"/>
           </a:p>
         </p:txBody>
       </p:sp>
@@ -4331,72 +7878,66 @@
             <p:ph idx="1"/>
           </p:nvPr>
         </p:nvSpPr>
-        <p:spPr/>
+        <p:spPr>
+          <a:xfrm>
+            <a:off x="179512" y="1052736"/>
+            <a:ext cx="8784976" cy="5616624"/>
+          </a:xfrm>
+        </p:spPr>
         <p:txBody>
           <a:bodyPr/>
           <a:lstStyle/>
           <a:p>
             <a:r>
-              <a:rPr lang="pt-BR" b="1" dirty="0" err="1" smtClean="0"/>
+              <a:rPr lang="pt-BR" dirty="0" err="1" smtClean="0"/>
               <a:t>WebSQL</a:t>
             </a:r>
-            <a:endParaRPr lang="pt-BR" b="1" dirty="0" smtClean="0"/>
+            <a:endParaRPr lang="pt-BR" dirty="0" smtClean="0"/>
+          </a:p>
+          <a:p>
+            <a:endParaRPr lang="pt-BR" dirty="0" smtClean="0"/>
+          </a:p>
+          <a:p>
+            <a:r>
+              <a:rPr lang="pt-BR" cap="all" dirty="0" smtClean="0"/>
+              <a:t>CSS</a:t>
+            </a:r>
+            <a:r>
+              <a:rPr lang="pt-BR" dirty="0" smtClean="0"/>
+              <a:t> 3</a:t>
+            </a:r>
+          </a:p>
+          <a:p>
+            <a:endParaRPr lang="pt-BR" dirty="0" smtClean="0"/>
+          </a:p>
+          <a:p>
+            <a:r>
+              <a:rPr lang="pt-BR" dirty="0" smtClean="0"/>
+              <a:t>HTML 5</a:t>
+            </a:r>
+          </a:p>
+          <a:p>
+            <a:endParaRPr lang="pt-BR" dirty="0" smtClean="0"/>
+          </a:p>
+          <a:p>
+            <a:r>
+              <a:rPr lang="pt-BR" dirty="0" err="1" smtClean="0"/>
+              <a:t>JavaScript</a:t>
+            </a:r>
+            <a:endParaRPr lang="pt-BR" dirty="0" smtClean="0"/>
+          </a:p>
+          <a:p>
+            <a:endParaRPr lang="pt-BR" dirty="0" smtClean="0"/>
+          </a:p>
+          <a:p>
+            <a:r>
+              <a:rPr lang="pt-BR" dirty="0" err="1" smtClean="0"/>
+              <a:t>GitHub</a:t>
+            </a:r>
+            <a:endParaRPr lang="pt-BR" dirty="0" smtClean="0"/>
           </a:p>
           <a:p>
             <a:endParaRPr lang="pt-BR" dirty="0"/>
-          </a:p>
-          <a:p>
-            <a:r>
-              <a:rPr lang="pt-BR" b="1" cap="all" dirty="0"/>
-              <a:t>CSS</a:t>
-            </a:r>
-            <a:r>
-              <a:rPr lang="pt-BR" dirty="0"/>
-              <a:t> </a:t>
-            </a:r>
-            <a:r>
-              <a:rPr lang="pt-BR" dirty="0" smtClean="0"/>
-              <a:t>3</a:t>
-            </a:r>
-          </a:p>
-          <a:p>
-            <a:endParaRPr lang="pt-BR" dirty="0"/>
-          </a:p>
-          <a:p>
-            <a:r>
-              <a:rPr lang="pt-BR" b="1" dirty="0"/>
-              <a:t>HTML </a:t>
-            </a:r>
-            <a:r>
-              <a:rPr lang="pt-BR" b="1" dirty="0" smtClean="0"/>
-              <a:t>5</a:t>
-            </a:r>
-          </a:p>
-          <a:p>
-            <a:endParaRPr lang="pt-BR" b="1" dirty="0"/>
-          </a:p>
-          <a:p>
-            <a:r>
-              <a:rPr lang="pt-BR" b="1" dirty="0" err="1" smtClean="0"/>
-              <a:t>JavaScript</a:t>
-            </a:r>
-            <a:endParaRPr lang="pt-BR" b="1" dirty="0" smtClean="0"/>
-          </a:p>
-          <a:p>
-            <a:endParaRPr lang="pt-BR" b="1" dirty="0"/>
-          </a:p>
-          <a:p>
-            <a:endParaRPr lang="pt-BR" b="1" dirty="0" smtClean="0"/>
-          </a:p>
-          <a:p>
-            <a:r>
-              <a:rPr lang="pt-BR" b="1" u="sng" dirty="0" err="1" smtClean="0"/>
-              <a:t>GitHub</a:t>
-            </a:r>
-            <a:endParaRPr lang="pt-BR" b="1" u="sng" dirty="0" smtClean="0"/>
-          </a:p>
-          <a:p>
-            <a:endParaRPr lang="pt-BR" b="1" dirty="0"/>
           </a:p>
           <a:p>
             <a:pPr marL="0" indent="0">
@@ -4419,7 +7960,7 @@
   <p:timing>
     <p:tnLst>
       <p:par>
-        <p:cTn id="1" dur="indefinite" restart="never" nodeType="tmRoot"/>
+        <p:cTn xmlns:p14="http://schemas.microsoft.com/office/powerpoint/2010/main" id="1" dur="indefinite" restart="never" nodeType="tmRoot"/>
       </p:par>
     </p:tnLst>
   </p:timing>
@@ -4459,40 +8000,43 @@
           <a:lstStyle/>
           <a:p>
             <a:r>
-              <a:rPr lang="pt-BR" smtClean="0"/>
-              <a:t>			Vamos </a:t>
-            </a:r>
-            <a:r>
-              <a:rPr lang="pt-BR" dirty="0"/>
-              <a:t>ao </a:t>
-            </a:r>
-            <a:r>
-              <a:rPr lang="pt-BR" dirty="0" smtClean="0"/>
-              <a:t>Programa...</a:t>
-            </a:r>
-            <a:endParaRPr lang="pt-BR" dirty="0"/>
+              <a:rPr lang="pt-BR" b="1" dirty="0" smtClean="0"/>
+              <a:t>Vis</a:t>
+            </a:r>
+            <a:r>
+              <a:rPr lang="pt-BR" b="1" dirty="0" smtClean="0"/>
+              <a:t>ão Macro do </a:t>
+            </a:r>
+            <a:r>
+              <a:rPr lang="pt-BR" b="1" dirty="0" smtClean="0"/>
+              <a:t>Banco	</a:t>
+            </a:r>
+            <a:endParaRPr lang="pt-BR" b="1" dirty="0"/>
           </a:p>
         </p:txBody>
       </p:sp>
-      <p:sp>
-        <p:nvSpPr>
-          <p:cNvPr id="5" name="Espaço Reservado para Conteúdo 4"/>
-          <p:cNvSpPr>
-            <a:spLocks noGrp="1"/>
-          </p:cNvSpPr>
-          <p:nvPr>
-            <p:ph idx="1"/>
-          </p:nvPr>
-        </p:nvSpPr>
-        <p:spPr/>
-        <p:txBody>
-          <a:bodyPr/>
-          <a:lstStyle/>
-          <a:p>
-            <a:endParaRPr lang="pt-BR" dirty="0"/>
-          </a:p>
-        </p:txBody>
-      </p:sp>
+      <p:pic>
+        <p:nvPicPr>
+          <p:cNvPr id="6" name="Imagem 4"/>
+          <p:cNvPicPr/>
+          <p:nvPr/>
+        </p:nvPicPr>
+        <p:blipFill>
+          <a:blip r:embed="rId2"/>
+          <a:stretch>
+            <a:fillRect/>
+          </a:stretch>
+        </p:blipFill>
+        <p:spPr>
+          <a:xfrm>
+            <a:off x="179512" y="2845926"/>
+            <a:ext cx="8964488" cy="1807210"/>
+          </a:xfrm>
+          <a:prstGeom prst="rect">
+            <a:avLst/>
+          </a:prstGeom>
+        </p:spPr>
+      </p:pic>
     </p:spTree>
     <p:extLst>
       <p:ext uri="{BB962C8B-B14F-4D97-AF65-F5344CB8AC3E}">
@@ -4506,7 +8050,933 @@
   <p:timing>
     <p:tnLst>
       <p:par>
-        <p:cTn id="1" dur="indefinite" restart="never" nodeType="tmRoot"/>
+        <p:cTn xmlns:p14="http://schemas.microsoft.com/office/powerpoint/2010/main" id="1" dur="indefinite" restart="never" nodeType="tmRoot"/>
+      </p:par>
+    </p:tnLst>
+  </p:timing>
+</p:sld>
+</file>
+
+<file path=ppt/slides/slide5.xml><?xml version="1.0" encoding="utf-8"?>
+<p:sld xmlns:a="http://schemas.openxmlformats.org/drawingml/2006/main" xmlns:r="http://schemas.openxmlformats.org/officeDocument/2006/relationships" xmlns:p="http://schemas.openxmlformats.org/presentationml/2006/main">
+  <p:cSld>
+    <p:spTree>
+      <p:nvGrpSpPr>
+        <p:cNvPr id="1" name=""/>
+        <p:cNvGrpSpPr/>
+        <p:nvPr/>
+      </p:nvGrpSpPr>
+      <p:grpSpPr>
+        <a:xfrm>
+          <a:off x="0" y="0"/>
+          <a:ext cx="0" cy="0"/>
+          <a:chOff x="0" y="0"/>
+          <a:chExt cx="0" cy="0"/>
+        </a:xfrm>
+      </p:grpSpPr>
+      <p:sp>
+        <p:nvSpPr>
+          <p:cNvPr id="2" name="Title 1"/>
+          <p:cNvSpPr>
+            <a:spLocks noGrp="1"/>
+          </p:cNvSpPr>
+          <p:nvPr>
+            <p:ph type="title"/>
+          </p:nvPr>
+        </p:nvSpPr>
+        <p:spPr/>
+        <p:txBody>
+          <a:bodyPr/>
+          <a:lstStyle/>
+          <a:p>
+            <a:r>
+              <a:rPr lang="en-US" b="1" dirty="0" err="1" smtClean="0"/>
+              <a:t>Lista</a:t>
+            </a:r>
+            <a:r>
+              <a:rPr lang="en-US" b="1" dirty="0" smtClean="0"/>
+              <a:t> </a:t>
+            </a:r>
+            <a:r>
+              <a:rPr lang="en-US" b="1" dirty="0" err="1" smtClean="0"/>
+              <a:t>detalhada</a:t>
+            </a:r>
+            <a:r>
+              <a:rPr lang="en-US" b="1" dirty="0" smtClean="0"/>
+              <a:t> </a:t>
+            </a:r>
+            <a:r>
+              <a:rPr lang="en-US" b="1" dirty="0" smtClean="0"/>
+              <a:t>dos </a:t>
+            </a:r>
+            <a:r>
+              <a:rPr lang="en-US" b="1" dirty="0" err="1" smtClean="0"/>
+              <a:t>atributos</a:t>
+            </a:r>
+            <a:endParaRPr lang="en-US" b="1" dirty="0"/>
+          </a:p>
+        </p:txBody>
+      </p:sp>
+      <p:sp>
+        <p:nvSpPr>
+          <p:cNvPr id="3" name="Content Placeholder 2"/>
+          <p:cNvSpPr>
+            <a:spLocks noGrp="1"/>
+          </p:cNvSpPr>
+          <p:nvPr>
+            <p:ph idx="1"/>
+          </p:nvPr>
+        </p:nvSpPr>
+        <p:spPr/>
+        <p:txBody>
+          <a:bodyPr/>
+          <a:lstStyle/>
+          <a:p>
+            <a:pPr marL="0" indent="0">
+              <a:buNone/>
+            </a:pPr>
+            <a:r>
+              <a:rPr lang="pt-BR" b="1" dirty="0"/>
+              <a:t>Tabela: </a:t>
+            </a:r>
+            <a:r>
+              <a:rPr lang="pt-BR" b="1" dirty="0" err="1" smtClean="0"/>
+              <a:t>TB_tipocombustivel</a:t>
+            </a:r>
+            <a:endParaRPr lang="pt-BR" b="1" dirty="0" smtClean="0"/>
+          </a:p>
+          <a:p>
+            <a:pPr lvl="1"/>
+            <a:r>
+              <a:rPr lang="pt-BR" dirty="0" smtClean="0"/>
+              <a:t>Tabela com registros </a:t>
+            </a:r>
+            <a:r>
+              <a:rPr lang="pt-BR" dirty="0" err="1" smtClean="0"/>
+              <a:t>pr</a:t>
+            </a:r>
+            <a:r>
+              <a:rPr lang="pt-BR" dirty="0" err="1" smtClean="0"/>
+              <a:t>é</a:t>
+            </a:r>
+            <a:r>
+              <a:rPr lang="pt-BR" dirty="0" smtClean="0"/>
+              <a:t>-cadastrados referente ao tipo de </a:t>
+            </a:r>
+            <a:r>
+              <a:rPr lang="pt-BR" dirty="0" err="1" smtClean="0"/>
+              <a:t>combústivel</a:t>
+            </a:r>
+            <a:r>
+              <a:rPr lang="pt-BR" dirty="0" smtClean="0"/>
+              <a:t> utilizado.</a:t>
+            </a:r>
+          </a:p>
+          <a:p>
+            <a:pPr lvl="1"/>
+            <a:endParaRPr lang="pt-BR" dirty="0"/>
+          </a:p>
+          <a:p>
+            <a:pPr marL="0" indent="0">
+              <a:buNone/>
+            </a:pPr>
+            <a:r>
+              <a:rPr lang="pt-BR" b="1" dirty="0" smtClean="0"/>
+              <a:t>Atributos</a:t>
+            </a:r>
+            <a:r>
+              <a:rPr lang="pt-BR" b="1" dirty="0"/>
+              <a:t>:</a:t>
+            </a:r>
+            <a:endParaRPr lang="pt-BR" dirty="0"/>
+          </a:p>
+          <a:p>
+            <a:pPr lvl="0"/>
+            <a:r>
+              <a:rPr lang="pt-BR" sz="2000" dirty="0" smtClean="0"/>
+              <a:t>ID_TIPOCOMBUSTIVEL</a:t>
+            </a:r>
+            <a:r>
+              <a:rPr lang="pt-BR" dirty="0" smtClean="0"/>
+              <a:t>:</a:t>
+            </a:r>
+          </a:p>
+          <a:p>
+            <a:pPr lvl="1"/>
+            <a:r>
+              <a:rPr lang="pt-BR" dirty="0" smtClean="0"/>
+              <a:t>Este </a:t>
+            </a:r>
+            <a:r>
+              <a:rPr lang="pt-BR" dirty="0"/>
+              <a:t>atributo é a chave primária da tabela, o qual enumera cada registro com um valor </a:t>
+            </a:r>
+            <a:r>
+              <a:rPr lang="pt-BR" dirty="0" smtClean="0"/>
+              <a:t>inteiro</a:t>
+            </a:r>
+          </a:p>
+          <a:p>
+            <a:pPr marL="457200" lvl="1" indent="0">
+              <a:buNone/>
+            </a:pPr>
+            <a:r>
+              <a:rPr lang="pt-BR" dirty="0"/>
+              <a:t> </a:t>
+            </a:r>
+            <a:r>
+              <a:rPr lang="pt-BR" dirty="0" smtClean="0"/>
+              <a:t/>
+            </a:r>
+            <a:endParaRPr lang="pt-BR" dirty="0"/>
+          </a:p>
+          <a:p>
+            <a:pPr lvl="0"/>
+            <a:r>
+              <a:rPr lang="pt-BR" sz="2000" dirty="0" smtClean="0"/>
+              <a:t>DS_TIPOCOMBUSTIVEL</a:t>
+            </a:r>
+            <a:r>
+              <a:rPr lang="pt-BR" dirty="0" smtClean="0"/>
+              <a:t>:</a:t>
+            </a:r>
+          </a:p>
+          <a:p>
+            <a:pPr lvl="1"/>
+            <a:r>
+              <a:rPr lang="pt-BR" dirty="0" smtClean="0"/>
+              <a:t>Este </a:t>
+            </a:r>
+            <a:r>
+              <a:rPr lang="pt-BR" dirty="0"/>
+              <a:t>atributo é o qual irá armazenar o tipo de combustível selecionado, este o qual pode ser: Etanol, gasolina ou Diesel.</a:t>
+            </a:r>
+          </a:p>
+          <a:p>
+            <a:endParaRPr lang="en-US" dirty="0"/>
+          </a:p>
+        </p:txBody>
+      </p:sp>
+    </p:spTree>
+    <p:extLst>
+      <p:ext uri="{BB962C8B-B14F-4D97-AF65-F5344CB8AC3E}">
+        <p14:creationId xmlns:p14="http://schemas.microsoft.com/office/powerpoint/2010/main" val="4246763093"/>
+      </p:ext>
+    </p:extLst>
+  </p:cSld>
+  <p:clrMapOvr>
+    <a:masterClrMapping/>
+  </p:clrMapOvr>
+  <p:timing>
+    <p:tnLst>
+      <p:par>
+        <p:cTn xmlns:p14="http://schemas.microsoft.com/office/powerpoint/2010/main" id="1" dur="indefinite" restart="never" nodeType="tmRoot"/>
+      </p:par>
+    </p:tnLst>
+  </p:timing>
+</p:sld>
+</file>
+
+<file path=ppt/slides/slide6.xml><?xml version="1.0" encoding="utf-8"?>
+<p:sld xmlns:a="http://schemas.openxmlformats.org/drawingml/2006/main" xmlns:r="http://schemas.openxmlformats.org/officeDocument/2006/relationships" xmlns:p="http://schemas.openxmlformats.org/presentationml/2006/main">
+  <p:cSld>
+    <p:spTree>
+      <p:nvGrpSpPr>
+        <p:cNvPr id="1" name=""/>
+        <p:cNvGrpSpPr/>
+        <p:nvPr/>
+      </p:nvGrpSpPr>
+      <p:grpSpPr>
+        <a:xfrm>
+          <a:off x="0" y="0"/>
+          <a:ext cx="0" cy="0"/>
+          <a:chOff x="0" y="0"/>
+          <a:chExt cx="0" cy="0"/>
+        </a:xfrm>
+      </p:grpSpPr>
+      <p:sp>
+        <p:nvSpPr>
+          <p:cNvPr id="2" name="Title 1"/>
+          <p:cNvSpPr>
+            <a:spLocks noGrp="1"/>
+          </p:cNvSpPr>
+          <p:nvPr>
+            <p:ph type="title"/>
+          </p:nvPr>
+        </p:nvSpPr>
+        <p:spPr/>
+        <p:txBody>
+          <a:bodyPr/>
+          <a:lstStyle/>
+          <a:p>
+            <a:r>
+              <a:rPr lang="en-US" b="1" dirty="0" err="1"/>
+              <a:t>Lista</a:t>
+            </a:r>
+            <a:r>
+              <a:rPr lang="en-US" b="1" dirty="0"/>
+              <a:t> </a:t>
+            </a:r>
+            <a:r>
+              <a:rPr lang="en-US" b="1" dirty="0" err="1"/>
+              <a:t>detalhada</a:t>
+            </a:r>
+            <a:r>
+              <a:rPr lang="en-US" b="1" dirty="0"/>
+              <a:t> dos </a:t>
+            </a:r>
+            <a:r>
+              <a:rPr lang="en-US" b="1" dirty="0" err="1"/>
+              <a:t>atributos</a:t>
+            </a:r>
+            <a:endParaRPr lang="en-US" b="1" dirty="0"/>
+          </a:p>
+        </p:txBody>
+      </p:sp>
+      <p:sp>
+        <p:nvSpPr>
+          <p:cNvPr id="3" name="Content Placeholder 2"/>
+          <p:cNvSpPr>
+            <a:spLocks noGrp="1"/>
+          </p:cNvSpPr>
+          <p:nvPr>
+            <p:ph idx="1"/>
+          </p:nvPr>
+        </p:nvSpPr>
+        <p:spPr/>
+        <p:txBody>
+          <a:bodyPr/>
+          <a:lstStyle/>
+          <a:p>
+            <a:pPr marL="0" indent="0">
+              <a:buNone/>
+            </a:pPr>
+            <a:r>
+              <a:rPr lang="pt-BR" b="1" dirty="0"/>
+              <a:t>Tabela: </a:t>
+            </a:r>
+            <a:r>
+              <a:rPr lang="pt-BR" b="1" dirty="0" err="1" smtClean="0"/>
+              <a:t>TB_abastecimento</a:t>
+            </a:r>
+            <a:endParaRPr lang="pt-BR" b="1" dirty="0" smtClean="0"/>
+          </a:p>
+          <a:p>
+            <a:pPr lvl="1"/>
+            <a:r>
+              <a:rPr lang="pt-BR" dirty="0" smtClean="0"/>
+              <a:t>Tabela  respons</a:t>
+            </a:r>
+            <a:r>
+              <a:rPr lang="pt-BR" dirty="0" smtClean="0"/>
+              <a:t>ável pelos ação do usuário de abastecer o carro.</a:t>
+            </a:r>
+            <a:endParaRPr lang="pt-BR" dirty="0"/>
+          </a:p>
+          <a:p>
+            <a:pPr marL="0" indent="0">
+              <a:buNone/>
+            </a:pPr>
+            <a:endParaRPr lang="pt-BR" b="1" dirty="0" smtClean="0"/>
+          </a:p>
+          <a:p>
+            <a:pPr marL="0" indent="0">
+              <a:buNone/>
+            </a:pPr>
+            <a:r>
+              <a:rPr lang="pt-BR" b="1" dirty="0" smtClean="0"/>
+              <a:t>Atributos:</a:t>
+            </a:r>
+            <a:endParaRPr lang="pt-BR" dirty="0"/>
+          </a:p>
+          <a:p>
+            <a:pPr lvl="0"/>
+            <a:r>
+              <a:rPr lang="pt-BR" sz="2000" dirty="0"/>
+              <a:t>ID_ABASTECIMENTO: </a:t>
+            </a:r>
+          </a:p>
+          <a:p>
+            <a:pPr lvl="1"/>
+            <a:r>
+              <a:rPr lang="pt-BR" dirty="0"/>
+              <a:t>Este atributo é a chave primária da tabela, o qual enumera cada registro com um valor </a:t>
+            </a:r>
+            <a:r>
+              <a:rPr lang="pt-BR" dirty="0" smtClean="0"/>
+              <a:t>inteiro</a:t>
+            </a:r>
+            <a:endParaRPr lang="pt-BR" dirty="0"/>
+          </a:p>
+          <a:p>
+            <a:pPr lvl="0"/>
+            <a:endParaRPr lang="pt-BR" dirty="0" smtClean="0"/>
+          </a:p>
+          <a:p>
+            <a:pPr lvl="0"/>
+            <a:r>
+              <a:rPr lang="pt-BR" sz="2000" dirty="0" smtClean="0"/>
+              <a:t>VL_PORLITRO</a:t>
+            </a:r>
+            <a:r>
+              <a:rPr lang="pt-BR" dirty="0"/>
+              <a:t>:</a:t>
+            </a:r>
+          </a:p>
+          <a:p>
+            <a:pPr lvl="1"/>
+            <a:r>
+              <a:rPr lang="pt-BR" dirty="0"/>
+              <a:t>Este atributo corresponde ao armazenamento do valor unitário do combustível abastecido, este o qual iremos realizar análises quantitativas e qualitativas</a:t>
+            </a:r>
+            <a:r>
+              <a:rPr lang="pt-BR" dirty="0" smtClean="0"/>
+              <a:t>.</a:t>
+            </a:r>
+            <a:endParaRPr lang="pt-BR" dirty="0"/>
+          </a:p>
+        </p:txBody>
+      </p:sp>
+    </p:spTree>
+    <p:extLst>
+      <p:ext uri="{BB962C8B-B14F-4D97-AF65-F5344CB8AC3E}">
+        <p14:creationId xmlns:p14="http://schemas.microsoft.com/office/powerpoint/2010/main" val="2418421961"/>
+      </p:ext>
+    </p:extLst>
+  </p:cSld>
+  <p:clrMapOvr>
+    <a:masterClrMapping/>
+  </p:clrMapOvr>
+  <p:timing>
+    <p:tnLst>
+      <p:par>
+        <p:cTn xmlns:p14="http://schemas.microsoft.com/office/powerpoint/2010/main" id="1" dur="indefinite" restart="never" nodeType="tmRoot"/>
+      </p:par>
+    </p:tnLst>
+  </p:timing>
+</p:sld>
+</file>
+
+<file path=ppt/slides/slide7.xml><?xml version="1.0" encoding="utf-8"?>
+<p:sld xmlns:a="http://schemas.openxmlformats.org/drawingml/2006/main" xmlns:r="http://schemas.openxmlformats.org/officeDocument/2006/relationships" xmlns:p="http://schemas.openxmlformats.org/presentationml/2006/main">
+  <p:cSld>
+    <p:spTree>
+      <p:nvGrpSpPr>
+        <p:cNvPr id="1" name=""/>
+        <p:cNvGrpSpPr/>
+        <p:nvPr/>
+      </p:nvGrpSpPr>
+      <p:grpSpPr>
+        <a:xfrm>
+          <a:off x="0" y="0"/>
+          <a:ext cx="0" cy="0"/>
+          <a:chOff x="0" y="0"/>
+          <a:chExt cx="0" cy="0"/>
+        </a:xfrm>
+      </p:grpSpPr>
+      <p:sp>
+        <p:nvSpPr>
+          <p:cNvPr id="2" name="Title 1"/>
+          <p:cNvSpPr>
+            <a:spLocks noGrp="1"/>
+          </p:cNvSpPr>
+          <p:nvPr>
+            <p:ph type="title"/>
+          </p:nvPr>
+        </p:nvSpPr>
+        <p:spPr/>
+        <p:txBody>
+          <a:bodyPr/>
+          <a:lstStyle/>
+          <a:p>
+            <a:r>
+              <a:rPr lang="en-US" b="1" dirty="0" err="1"/>
+              <a:t>Lista</a:t>
+            </a:r>
+            <a:r>
+              <a:rPr lang="en-US" b="1" dirty="0"/>
+              <a:t> </a:t>
+            </a:r>
+            <a:r>
+              <a:rPr lang="en-US" b="1" dirty="0" err="1"/>
+              <a:t>detalhada</a:t>
+            </a:r>
+            <a:r>
+              <a:rPr lang="en-US" b="1" dirty="0"/>
+              <a:t> dos </a:t>
+            </a:r>
+            <a:r>
+              <a:rPr lang="en-US" b="1" dirty="0" err="1"/>
+              <a:t>atributos</a:t>
+            </a:r>
+            <a:endParaRPr lang="en-US" b="1" dirty="0"/>
+          </a:p>
+        </p:txBody>
+      </p:sp>
+      <p:sp>
+        <p:nvSpPr>
+          <p:cNvPr id="3" name="Content Placeholder 2"/>
+          <p:cNvSpPr>
+            <a:spLocks noGrp="1"/>
+          </p:cNvSpPr>
+          <p:nvPr>
+            <p:ph idx="1"/>
+          </p:nvPr>
+        </p:nvSpPr>
+        <p:spPr/>
+        <p:txBody>
+          <a:bodyPr/>
+          <a:lstStyle/>
+          <a:p>
+            <a:pPr lvl="0"/>
+            <a:r>
+              <a:rPr lang="pt-BR" sz="2000" dirty="0"/>
+              <a:t>QT_LITRO</a:t>
+            </a:r>
+            <a:r>
+              <a:rPr lang="pt-BR" dirty="0"/>
+              <a:t>: </a:t>
+            </a:r>
+          </a:p>
+          <a:p>
+            <a:pPr lvl="1"/>
+            <a:r>
+              <a:rPr lang="pt-BR" dirty="0"/>
+              <a:t>Este atributo corresponde a quantidade de litros abastecidos, este o qual iremos realizar análises quantitativas e qualitativas.</a:t>
+            </a:r>
+          </a:p>
+          <a:p>
+            <a:pPr lvl="0"/>
+            <a:endParaRPr lang="pt-BR" sz="2000" dirty="0" smtClean="0"/>
+          </a:p>
+          <a:p>
+            <a:pPr lvl="0"/>
+            <a:r>
+              <a:rPr lang="pt-BR" sz="2000" dirty="0" smtClean="0"/>
+              <a:t>QT_KILOMETRAGEM</a:t>
+            </a:r>
+            <a:r>
+              <a:rPr lang="pt-BR" dirty="0" smtClean="0"/>
+              <a:t>:</a:t>
+            </a:r>
+          </a:p>
+          <a:p>
+            <a:pPr lvl="1"/>
+            <a:r>
+              <a:rPr lang="pt-BR" dirty="0" smtClean="0"/>
+              <a:t>Este </a:t>
+            </a:r>
+            <a:r>
+              <a:rPr lang="pt-BR" dirty="0"/>
+              <a:t>atributo corresponde a quilometragem em que o automóvel se encontra no momento em que vai abastecer, assim teremos uma base anterior para realizar comparações quantitativas a serem realizadas.</a:t>
+            </a:r>
+          </a:p>
+          <a:p>
+            <a:pPr lvl="0"/>
+            <a:endParaRPr lang="pt-BR" dirty="0" smtClean="0"/>
+          </a:p>
+          <a:p>
+            <a:pPr lvl="0"/>
+            <a:r>
+              <a:rPr lang="pt-BR" sz="2000" dirty="0" smtClean="0"/>
+              <a:t>DS_BANDEIRAPOSTO</a:t>
+            </a:r>
+            <a:r>
+              <a:rPr lang="pt-BR" dirty="0"/>
+              <a:t>:</a:t>
+            </a:r>
+          </a:p>
+          <a:p>
+            <a:pPr lvl="1"/>
+            <a:r>
+              <a:rPr lang="pt-BR" dirty="0"/>
+              <a:t>Este atributo corresponde a bandeira “nome” do posto o qual está sendo efetuado o abastecimento, está o qual será uma referência positiva, ou negativa </a:t>
+            </a:r>
+            <a:r>
+              <a:rPr lang="pt-BR" dirty="0" smtClean="0"/>
+              <a:t>posteriormente.</a:t>
+            </a:r>
+            <a:endParaRPr lang="pt-BR" dirty="0"/>
+          </a:p>
+        </p:txBody>
+      </p:sp>
+    </p:spTree>
+    <p:extLst>
+      <p:ext uri="{BB962C8B-B14F-4D97-AF65-F5344CB8AC3E}">
+        <p14:creationId xmlns:p14="http://schemas.microsoft.com/office/powerpoint/2010/main" val="356140808"/>
+      </p:ext>
+    </p:extLst>
+  </p:cSld>
+  <p:clrMapOvr>
+    <a:masterClrMapping/>
+  </p:clrMapOvr>
+  <p:timing>
+    <p:tnLst>
+      <p:par>
+        <p:cTn xmlns:p14="http://schemas.microsoft.com/office/powerpoint/2010/main" id="1" dur="indefinite" restart="never" nodeType="tmRoot"/>
+      </p:par>
+    </p:tnLst>
+  </p:timing>
+</p:sld>
+</file>
+
+<file path=ppt/slides/slide8.xml><?xml version="1.0" encoding="utf-8"?>
+<p:sld xmlns:a="http://schemas.openxmlformats.org/drawingml/2006/main" xmlns:r="http://schemas.openxmlformats.org/officeDocument/2006/relationships" xmlns:p="http://schemas.openxmlformats.org/presentationml/2006/main">
+  <p:cSld>
+    <p:spTree>
+      <p:nvGrpSpPr>
+        <p:cNvPr id="1" name=""/>
+        <p:cNvGrpSpPr/>
+        <p:nvPr/>
+      </p:nvGrpSpPr>
+      <p:grpSpPr>
+        <a:xfrm>
+          <a:off x="0" y="0"/>
+          <a:ext cx="0" cy="0"/>
+          <a:chOff x="0" y="0"/>
+          <a:chExt cx="0" cy="0"/>
+        </a:xfrm>
+      </p:grpSpPr>
+      <p:sp>
+        <p:nvSpPr>
+          <p:cNvPr id="2" name="Title 1"/>
+          <p:cNvSpPr>
+            <a:spLocks noGrp="1"/>
+          </p:cNvSpPr>
+          <p:nvPr>
+            <p:ph type="title"/>
+          </p:nvPr>
+        </p:nvSpPr>
+        <p:spPr/>
+        <p:txBody>
+          <a:bodyPr/>
+          <a:lstStyle/>
+          <a:p>
+            <a:r>
+              <a:rPr lang="en-US" b="1" dirty="0" err="1"/>
+              <a:t>Lista</a:t>
+            </a:r>
+            <a:r>
+              <a:rPr lang="en-US" b="1" dirty="0"/>
+              <a:t> de </a:t>
+            </a:r>
+            <a:r>
+              <a:rPr lang="en-US" b="1" dirty="0" err="1"/>
+              <a:t>explicação</a:t>
+            </a:r>
+            <a:r>
+              <a:rPr lang="en-US" b="1" dirty="0"/>
+              <a:t> dos </a:t>
+            </a:r>
+            <a:r>
+              <a:rPr lang="en-US" b="1" dirty="0" err="1"/>
+              <a:t>atributos</a:t>
+            </a:r>
+            <a:endParaRPr lang="en-US" b="1" dirty="0"/>
+          </a:p>
+        </p:txBody>
+      </p:sp>
+      <p:sp>
+        <p:nvSpPr>
+          <p:cNvPr id="3" name="Content Placeholder 2"/>
+          <p:cNvSpPr>
+            <a:spLocks noGrp="1"/>
+          </p:cNvSpPr>
+          <p:nvPr>
+            <p:ph idx="1"/>
+          </p:nvPr>
+        </p:nvSpPr>
+        <p:spPr/>
+        <p:txBody>
+          <a:bodyPr/>
+          <a:lstStyle/>
+          <a:p>
+            <a:pPr lvl="0"/>
+            <a:r>
+              <a:rPr lang="pt-BR" sz="2000" dirty="0" smtClean="0"/>
+              <a:t>DS_APELIDOPOSTO</a:t>
+            </a:r>
+            <a:r>
+              <a:rPr lang="pt-BR" dirty="0"/>
+              <a:t>:</a:t>
+            </a:r>
+          </a:p>
+          <a:p>
+            <a:pPr lvl="1"/>
+            <a:r>
+              <a:rPr lang="pt-BR" dirty="0"/>
+              <a:t>Este atributo corresponde a um campo em que o usuário pode adicionar um apelido ao posto em que está realizando o abastecimento, para uma localização mais facilitada.</a:t>
+            </a:r>
+          </a:p>
+          <a:p>
+            <a:pPr lvl="0"/>
+            <a:endParaRPr lang="pt-BR" sz="2000" dirty="0" smtClean="0"/>
+          </a:p>
+          <a:p>
+            <a:pPr lvl="0"/>
+            <a:r>
+              <a:rPr lang="pt-BR" sz="2000" dirty="0" smtClean="0"/>
+              <a:t>FK_TIPOCOMBUSTIVEL</a:t>
+            </a:r>
+            <a:r>
+              <a:rPr lang="pt-BR" dirty="0"/>
+              <a:t>:</a:t>
+            </a:r>
+          </a:p>
+          <a:p>
+            <a:pPr lvl="1"/>
+            <a:r>
+              <a:rPr lang="pt-BR" dirty="0"/>
+              <a:t>Este atributo corresponde a chave estrangeira para a tabela TIPOCOMBUSTIVEL, isto devido a ambas apresentarem um relacionamento, e apresentarem referência de dados umas das outras.</a:t>
+            </a:r>
+          </a:p>
+          <a:p>
+            <a:pPr lvl="0"/>
+            <a:endParaRPr lang="pt-BR" dirty="0" smtClean="0"/>
+          </a:p>
+          <a:p>
+            <a:pPr lvl="0"/>
+            <a:r>
+              <a:rPr lang="pt-BR" sz="2000" dirty="0" smtClean="0"/>
+              <a:t>FK_USUARIO:</a:t>
+            </a:r>
+            <a:endParaRPr lang="pt-BR" dirty="0"/>
+          </a:p>
+          <a:p>
+            <a:pPr lvl="1"/>
+            <a:r>
+              <a:rPr lang="pt-BR" dirty="0"/>
+              <a:t>Este atributo corresponde a chave estrangeira para a tabela USUARIO, isto devido a ambas apresentarem um relacionamento, e apresentarem referência de dados umas das outras</a:t>
+            </a:r>
+            <a:r>
+              <a:rPr lang="pt-BR" dirty="0" smtClean="0"/>
+              <a:t>.</a:t>
+            </a:r>
+            <a:endParaRPr lang="en-US" dirty="0"/>
+          </a:p>
+          <a:p>
+            <a:endParaRPr lang="en-US" dirty="0"/>
+          </a:p>
+          <a:p>
+            <a:endParaRPr lang="en-US" dirty="0"/>
+          </a:p>
+        </p:txBody>
+      </p:sp>
+    </p:spTree>
+    <p:extLst>
+      <p:ext uri="{BB962C8B-B14F-4D97-AF65-F5344CB8AC3E}">
+        <p14:creationId xmlns:p14="http://schemas.microsoft.com/office/powerpoint/2010/main" val="2405085581"/>
+      </p:ext>
+    </p:extLst>
+  </p:cSld>
+  <p:clrMapOvr>
+    <a:masterClrMapping/>
+  </p:clrMapOvr>
+  <p:timing>
+    <p:tnLst>
+      <p:par>
+        <p:cTn xmlns:p14="http://schemas.microsoft.com/office/powerpoint/2010/main" id="1" dur="indefinite" restart="never" nodeType="tmRoot"/>
+      </p:par>
+    </p:tnLst>
+  </p:timing>
+</p:sld>
+</file>
+
+<file path=ppt/slides/slide9.xml><?xml version="1.0" encoding="utf-8"?>
+<p:sld xmlns:a="http://schemas.openxmlformats.org/drawingml/2006/main" xmlns:r="http://schemas.openxmlformats.org/officeDocument/2006/relationships" xmlns:p="http://schemas.openxmlformats.org/presentationml/2006/main">
+  <p:cSld>
+    <p:spTree>
+      <p:nvGrpSpPr>
+        <p:cNvPr id="1" name=""/>
+        <p:cNvGrpSpPr/>
+        <p:nvPr/>
+      </p:nvGrpSpPr>
+      <p:grpSpPr>
+        <a:xfrm>
+          <a:off x="0" y="0"/>
+          <a:ext cx="0" cy="0"/>
+          <a:chOff x="0" y="0"/>
+          <a:chExt cx="0" cy="0"/>
+        </a:xfrm>
+      </p:grpSpPr>
+      <p:sp>
+        <p:nvSpPr>
+          <p:cNvPr id="2" name="Title 1"/>
+          <p:cNvSpPr>
+            <a:spLocks noGrp="1"/>
+          </p:cNvSpPr>
+          <p:nvPr>
+            <p:ph type="title"/>
+          </p:nvPr>
+        </p:nvSpPr>
+        <p:spPr/>
+        <p:txBody>
+          <a:bodyPr/>
+          <a:lstStyle/>
+          <a:p>
+            <a:r>
+              <a:rPr lang="en-US" b="1" dirty="0" err="1"/>
+              <a:t>Lista</a:t>
+            </a:r>
+            <a:r>
+              <a:rPr lang="en-US" b="1" dirty="0"/>
+              <a:t> de </a:t>
+            </a:r>
+            <a:r>
+              <a:rPr lang="en-US" b="1" dirty="0" err="1"/>
+              <a:t>explicação</a:t>
+            </a:r>
+            <a:r>
+              <a:rPr lang="en-US" b="1" dirty="0"/>
+              <a:t> dos </a:t>
+            </a:r>
+            <a:r>
+              <a:rPr lang="en-US" b="1" dirty="0" err="1"/>
+              <a:t>atributos</a:t>
+            </a:r>
+            <a:endParaRPr lang="en-US" b="1" dirty="0"/>
+          </a:p>
+        </p:txBody>
+      </p:sp>
+      <p:sp>
+        <p:nvSpPr>
+          <p:cNvPr id="3" name="Content Placeholder 2"/>
+          <p:cNvSpPr>
+            <a:spLocks noGrp="1"/>
+          </p:cNvSpPr>
+          <p:nvPr>
+            <p:ph idx="1"/>
+          </p:nvPr>
+        </p:nvSpPr>
+        <p:spPr/>
+        <p:txBody>
+          <a:bodyPr/>
+          <a:lstStyle/>
+          <a:p>
+            <a:pPr marL="0" indent="0">
+              <a:buNone/>
+            </a:pPr>
+            <a:r>
+              <a:rPr lang="pt-BR" b="1" dirty="0"/>
+              <a:t>Tabela: </a:t>
+            </a:r>
+            <a:r>
+              <a:rPr lang="pt-BR" b="1" dirty="0" smtClean="0"/>
+              <a:t>TS_USUARIO</a:t>
+            </a:r>
+          </a:p>
+          <a:p>
+            <a:pPr lvl="1"/>
+            <a:r>
+              <a:rPr lang="pt-BR" dirty="0" smtClean="0"/>
+              <a:t>Tabela respons</a:t>
+            </a:r>
+            <a:r>
+              <a:rPr lang="pt-BR" dirty="0" smtClean="0"/>
+              <a:t>ável pelo cadastro de usuários</a:t>
+            </a:r>
+            <a:endParaRPr lang="pt-BR" dirty="0" smtClean="0"/>
+          </a:p>
+          <a:p>
+            <a:endParaRPr lang="pt-BR" b="1" dirty="0" smtClean="0"/>
+          </a:p>
+          <a:p>
+            <a:pPr marL="0" indent="0">
+              <a:buNone/>
+            </a:pPr>
+            <a:r>
+              <a:rPr lang="pt-BR" b="1" dirty="0" smtClean="0"/>
+              <a:t>Atributos:</a:t>
+            </a:r>
+            <a:endParaRPr lang="pt-BR" dirty="0"/>
+          </a:p>
+          <a:p>
+            <a:pPr lvl="0"/>
+            <a:r>
+              <a:rPr lang="pt-BR" sz="2000" dirty="0"/>
+              <a:t>ID_USUARIO</a:t>
+            </a:r>
+            <a:r>
+              <a:rPr lang="pt-BR" dirty="0"/>
+              <a:t>:</a:t>
+            </a:r>
+          </a:p>
+          <a:p>
+            <a:pPr lvl="1"/>
+            <a:r>
+              <a:rPr lang="pt-BR" dirty="0"/>
+              <a:t>Este atributo é a chave primária da tabela, o qual enumera cada registro com um valor </a:t>
+            </a:r>
+            <a:r>
+              <a:rPr lang="pt-BR" dirty="0" smtClean="0"/>
+              <a:t>inteiro</a:t>
+            </a:r>
+          </a:p>
+          <a:p>
+            <a:pPr lvl="1"/>
+            <a:endParaRPr lang="pt-BR" dirty="0"/>
+          </a:p>
+          <a:p>
+            <a:pPr lvl="0"/>
+            <a:r>
+              <a:rPr lang="pt-BR" sz="2000" dirty="0"/>
+              <a:t>DS_NOME</a:t>
+            </a:r>
+            <a:r>
+              <a:rPr lang="pt-BR" dirty="0"/>
+              <a:t>:</a:t>
+            </a:r>
+          </a:p>
+          <a:p>
+            <a:pPr lvl="1"/>
+            <a:r>
+              <a:rPr lang="pt-BR" dirty="0"/>
+              <a:t>Este atributo é o qual irá armazenar o nome do usuário, este o qual ira ser utilizado afim de oferecem um ambiente mais “tunado”.</a:t>
+            </a:r>
+          </a:p>
+          <a:p>
+            <a:pPr lvl="0"/>
+            <a:endParaRPr lang="pt-BR" dirty="0" smtClean="0"/>
+          </a:p>
+          <a:p>
+            <a:pPr lvl="0"/>
+            <a:r>
+              <a:rPr lang="pt-BR" sz="2000" dirty="0" smtClean="0"/>
+              <a:t>DS_SOBRENOME</a:t>
+            </a:r>
+            <a:r>
+              <a:rPr lang="pt-BR" sz="2000" dirty="0"/>
+              <a:t>:</a:t>
+            </a:r>
+          </a:p>
+          <a:p>
+            <a:pPr lvl="1"/>
+            <a:r>
+              <a:rPr lang="pt-BR" dirty="0"/>
+              <a:t>Este atributo é o qual irá armazenar o sobrenome do usuário, este o qual serve como massa de dados de armazenamento sobre o usuário</a:t>
+            </a:r>
+            <a:r>
+              <a:rPr lang="pt-BR" dirty="0" smtClean="0"/>
+              <a:t>.</a:t>
+            </a:r>
+            <a:endParaRPr lang="pt-BR" dirty="0"/>
+          </a:p>
+        </p:txBody>
+      </p:sp>
+    </p:spTree>
+    <p:extLst>
+      <p:ext uri="{BB962C8B-B14F-4D97-AF65-F5344CB8AC3E}">
+        <p14:creationId xmlns:p14="http://schemas.microsoft.com/office/powerpoint/2010/main" val="4193480870"/>
+      </p:ext>
+    </p:extLst>
+  </p:cSld>
+  <p:clrMapOvr>
+    <a:masterClrMapping/>
+  </p:clrMapOvr>
+  <p:timing>
+    <p:tnLst>
+      <p:par>
+        <p:cTn xmlns:p14="http://schemas.microsoft.com/office/powerpoint/2010/main" id="1" dur="indefinite" restart="never" nodeType="tmRoot"/>
       </p:par>
     </p:tnLst>
   </p:timing>
